--- a/4-1/소프트웨어 종합설계/9주차/졸업작품 Activity Diagram.pptx
+++ b/4-1/소프트웨어 종합설계/9주차/졸업작품 Activity Diagram.pptx
@@ -15,31 +15,30 @@
     <p:sldId id="273" r:id="rId9"/>
     <p:sldId id="274" r:id="rId10"/>
     <p:sldId id="271" r:id="rId11"/>
-    <p:sldId id="276" r:id="rId12"/>
   </p:sldIdLst>
   <p:sldSz cx="12192000" cy="6858000"/>
   <p:notesSz cx="6858000" cy="9144000"/>
   <p:embeddedFontLst>
     <p:embeddedFont>
       <p:font typeface="Calibri" panose="020F0502020204030204" pitchFamily="34" charset="0"/>
-      <p:regular r:id="rId13"/>
-      <p:bold r:id="rId14"/>
-      <p:italic r:id="rId15"/>
-      <p:boldItalic r:id="rId16"/>
+      <p:regular r:id="rId12"/>
+      <p:bold r:id="rId13"/>
+      <p:italic r:id="rId14"/>
+      <p:boldItalic r:id="rId15"/>
     </p:embeddedFont>
     <p:embeddedFont>
       <p:font typeface="Calibri Light" panose="020F0302020204030204" pitchFamily="34" charset="0"/>
-      <p:regular r:id="rId17"/>
-      <p:italic r:id="rId18"/>
+      <p:regular r:id="rId16"/>
+      <p:italic r:id="rId17"/>
     </p:embeddedFont>
     <p:embeddedFont>
       <p:font typeface="Malgun Gothic" panose="020B0503020000020004" pitchFamily="34" charset="-127"/>
-      <p:regular r:id="rId19"/>
-      <p:bold r:id="rId20"/>
+      <p:regular r:id="rId18"/>
+      <p:bold r:id="rId19"/>
     </p:embeddedFont>
     <p:embeddedFont>
       <p:font typeface="Nanum Brush Script" panose="03060600000000000000" pitchFamily="66" charset="-127"/>
-      <p:regular r:id="rId21"/>
+      <p:regular r:id="rId20"/>
     </p:embeddedFont>
   </p:embeddedFontLst>
   <p:defaultTextStyle>
@@ -294,7 +293,7 @@
           <a:p>
             <a:fld id="{CA0C9A70-06BB-774B-8A5A-F2019B565F3F}" type="datetimeFigureOut">
               <a:rPr kumimoji="1" lang="ko-Kore-KR" altLang="en-US" smtClean="0"/>
-              <a:t>2022. 4. 26.</a:t>
+              <a:t>2022. 4. 28.</a:t>
             </a:fld>
             <a:endParaRPr kumimoji="1" lang="ko-Kore-KR" altLang="en-US"/>
           </a:p>
@@ -494,7 +493,7 @@
           <a:p>
             <a:fld id="{CA0C9A70-06BB-774B-8A5A-F2019B565F3F}" type="datetimeFigureOut">
               <a:rPr kumimoji="1" lang="ko-Kore-KR" altLang="en-US" smtClean="0"/>
-              <a:t>2022. 4. 26.</a:t>
+              <a:t>2022. 4. 28.</a:t>
             </a:fld>
             <a:endParaRPr kumimoji="1" lang="ko-Kore-KR" altLang="en-US"/>
           </a:p>
@@ -704,7 +703,7 @@
           <a:p>
             <a:fld id="{CA0C9A70-06BB-774B-8A5A-F2019B565F3F}" type="datetimeFigureOut">
               <a:rPr kumimoji="1" lang="ko-Kore-KR" altLang="en-US" smtClean="0"/>
-              <a:t>2022. 4. 26.</a:t>
+              <a:t>2022. 4. 28.</a:t>
             </a:fld>
             <a:endParaRPr kumimoji="1" lang="ko-Kore-KR" altLang="en-US"/>
           </a:p>
@@ -904,7 +903,7 @@
           <a:p>
             <a:fld id="{CA0C9A70-06BB-774B-8A5A-F2019B565F3F}" type="datetimeFigureOut">
               <a:rPr kumimoji="1" lang="ko-Kore-KR" altLang="en-US" smtClean="0"/>
-              <a:t>2022. 4. 26.</a:t>
+              <a:t>2022. 4. 28.</a:t>
             </a:fld>
             <a:endParaRPr kumimoji="1" lang="ko-Kore-KR" altLang="en-US"/>
           </a:p>
@@ -1180,7 +1179,7 @@
           <a:p>
             <a:fld id="{CA0C9A70-06BB-774B-8A5A-F2019B565F3F}" type="datetimeFigureOut">
               <a:rPr kumimoji="1" lang="ko-Kore-KR" altLang="en-US" smtClean="0"/>
-              <a:t>2022. 4. 26.</a:t>
+              <a:t>2022. 4. 28.</a:t>
             </a:fld>
             <a:endParaRPr kumimoji="1" lang="ko-Kore-KR" altLang="en-US"/>
           </a:p>
@@ -1448,7 +1447,7 @@
           <a:p>
             <a:fld id="{CA0C9A70-06BB-774B-8A5A-F2019B565F3F}" type="datetimeFigureOut">
               <a:rPr kumimoji="1" lang="ko-Kore-KR" altLang="en-US" smtClean="0"/>
-              <a:t>2022. 4. 26.</a:t>
+              <a:t>2022. 4. 28.</a:t>
             </a:fld>
             <a:endParaRPr kumimoji="1" lang="ko-Kore-KR" altLang="en-US"/>
           </a:p>
@@ -1863,7 +1862,7 @@
           <a:p>
             <a:fld id="{CA0C9A70-06BB-774B-8A5A-F2019B565F3F}" type="datetimeFigureOut">
               <a:rPr kumimoji="1" lang="ko-Kore-KR" altLang="en-US" smtClean="0"/>
-              <a:t>2022. 4. 26.</a:t>
+              <a:t>2022. 4. 28.</a:t>
             </a:fld>
             <a:endParaRPr kumimoji="1" lang="ko-Kore-KR" altLang="en-US"/>
           </a:p>
@@ -2005,7 +2004,7 @@
           <a:p>
             <a:fld id="{CA0C9A70-06BB-774B-8A5A-F2019B565F3F}" type="datetimeFigureOut">
               <a:rPr kumimoji="1" lang="ko-Kore-KR" altLang="en-US" smtClean="0"/>
-              <a:t>2022. 4. 26.</a:t>
+              <a:t>2022. 4. 28.</a:t>
             </a:fld>
             <a:endParaRPr kumimoji="1" lang="ko-Kore-KR" altLang="en-US"/>
           </a:p>
@@ -2118,7 +2117,7 @@
           <a:p>
             <a:fld id="{CA0C9A70-06BB-774B-8A5A-F2019B565F3F}" type="datetimeFigureOut">
               <a:rPr kumimoji="1" lang="ko-Kore-KR" altLang="en-US" smtClean="0"/>
-              <a:t>2022. 4. 26.</a:t>
+              <a:t>2022. 4. 28.</a:t>
             </a:fld>
             <a:endParaRPr kumimoji="1" lang="ko-Kore-KR" altLang="en-US"/>
           </a:p>
@@ -2431,7 +2430,7 @@
           <a:p>
             <a:fld id="{CA0C9A70-06BB-774B-8A5A-F2019B565F3F}" type="datetimeFigureOut">
               <a:rPr kumimoji="1" lang="ko-Kore-KR" altLang="en-US" smtClean="0"/>
-              <a:t>2022. 4. 26.</a:t>
+              <a:t>2022. 4. 28.</a:t>
             </a:fld>
             <a:endParaRPr kumimoji="1" lang="ko-Kore-KR" altLang="en-US"/>
           </a:p>
@@ -2720,7 +2719,7 @@
           <a:p>
             <a:fld id="{CA0C9A70-06BB-774B-8A5A-F2019B565F3F}" type="datetimeFigureOut">
               <a:rPr kumimoji="1" lang="ko-Kore-KR" altLang="en-US" smtClean="0"/>
-              <a:t>2022. 4. 26.</a:t>
+              <a:t>2022. 4. 28.</a:t>
             </a:fld>
             <a:endParaRPr kumimoji="1" lang="ko-Kore-KR" altLang="en-US"/>
           </a:p>
@@ -2963,7 +2962,7 @@
           <a:p>
             <a:fld id="{CA0C9A70-06BB-774B-8A5A-F2019B565F3F}" type="datetimeFigureOut">
               <a:rPr kumimoji="1" lang="ko-Kore-KR" altLang="en-US" smtClean="0"/>
-              <a:t>2022. 4. 26.</a:t>
+              <a:t>2022. 4. 28.</a:t>
             </a:fld>
             <a:endParaRPr kumimoji="1" lang="ko-Kore-KR" altLang="en-US"/>
           </a:p>
@@ -4687,1194 +4686,6 @@
     <p:extLst>
       <p:ext uri="{BB962C8B-B14F-4D97-AF65-F5344CB8AC3E}">
         <p14:creationId xmlns:p14="http://schemas.microsoft.com/office/powerpoint/2010/main" val="126055896"/>
-      </p:ext>
-    </p:extLst>
-  </p:cSld>
-  <p:clrMapOvr>
-    <a:masterClrMapping/>
-  </p:clrMapOvr>
-</p:sld>
-</file>
-
-<file path=ppt/slides/slide11.xml><?xml version="1.0" encoding="utf-8"?>
-<p:sld xmlns:a="http://schemas.openxmlformats.org/drawingml/2006/main" xmlns:r="http://schemas.openxmlformats.org/officeDocument/2006/relationships" xmlns:p="http://schemas.openxmlformats.org/presentationml/2006/main">
-  <p:cSld>
-    <p:spTree>
-      <p:nvGrpSpPr>
-        <p:cNvPr id="1" name=""/>
-        <p:cNvGrpSpPr/>
-        <p:nvPr/>
-      </p:nvGrpSpPr>
-      <p:grpSpPr>
-        <a:xfrm>
-          <a:off x="0" y="0"/>
-          <a:ext cx="0" cy="0"/>
-          <a:chOff x="0" y="0"/>
-          <a:chExt cx="0" cy="0"/>
-        </a:xfrm>
-      </p:grpSpPr>
-      <p:sp>
-        <p:nvSpPr>
-          <p:cNvPr id="7" name="모서리가 둥근 직사각형 6">
-            <a:extLst>
-              <a:ext uri="{FF2B5EF4-FFF2-40B4-BE49-F238E27FC236}">
-                <a16:creationId xmlns:a16="http://schemas.microsoft.com/office/drawing/2014/main" id="{F6DEA450-3D91-C45F-27AB-807DD3A71BA4}"/>
-              </a:ext>
-            </a:extLst>
-          </p:cNvPr>
-          <p:cNvSpPr/>
-          <p:nvPr/>
-        </p:nvSpPr>
-        <p:spPr>
-          <a:xfrm>
-            <a:off x="724619" y="569355"/>
-            <a:ext cx="2829464" cy="612476"/>
-          </a:xfrm>
-          <a:prstGeom prst="roundRect">
-            <a:avLst/>
-          </a:prstGeom>
-          <a:noFill/>
-          <a:ln>
-            <a:noFill/>
-          </a:ln>
-        </p:spPr>
-        <p:style>
-          <a:lnRef idx="2">
-            <a:schemeClr val="accent1">
-              <a:shade val="50000"/>
-            </a:schemeClr>
-          </a:lnRef>
-          <a:fillRef idx="1">
-            <a:schemeClr val="accent1"/>
-          </a:fillRef>
-          <a:effectRef idx="0">
-            <a:schemeClr val="accent1"/>
-          </a:effectRef>
-          <a:fontRef idx="minor">
-            <a:schemeClr val="lt1"/>
-          </a:fontRef>
-        </p:style>
-        <p:txBody>
-          <a:bodyPr rtlCol="0" anchor="ctr"/>
-          <a:lstStyle/>
-          <a:p>
-            <a:r>
-              <a:rPr kumimoji="1" lang="en-US" altLang="ko-Kore-KR" sz="2400" dirty="0">
-                <a:solidFill>
-                  <a:srgbClr val="FD997D"/>
-                </a:solidFill>
-                <a:latin typeface="Nanum Brush Script" panose="03060600000000000000" pitchFamily="66" charset="-127"/>
-                <a:ea typeface="Nanum Brush Script" panose="03060600000000000000" pitchFamily="66" charset="-127"/>
-              </a:rPr>
-              <a:t>Activity Diagram</a:t>
-            </a:r>
-          </a:p>
-          <a:p>
-            <a:r>
-              <a:rPr kumimoji="1" lang="en-US" altLang="ko-KR" sz="2400" dirty="0">
-                <a:solidFill>
-                  <a:srgbClr val="FD997D"/>
-                </a:solidFill>
-                <a:latin typeface="Nanum Brush Script" panose="03060600000000000000" pitchFamily="66" charset="-127"/>
-                <a:ea typeface="Nanum Brush Script" panose="03060600000000000000" pitchFamily="66" charset="-127"/>
-              </a:rPr>
-              <a:t>10</a:t>
-            </a:r>
-            <a:r>
-              <a:rPr kumimoji="1" lang="en-US" altLang="ko-Kore-KR" sz="2400" dirty="0">
-                <a:solidFill>
-                  <a:srgbClr val="FD997D"/>
-                </a:solidFill>
-                <a:latin typeface="Nanum Brush Script" panose="03060600000000000000" pitchFamily="66" charset="-127"/>
-                <a:ea typeface="Nanum Brush Script" panose="03060600000000000000" pitchFamily="66" charset="-127"/>
-              </a:rPr>
-              <a:t>) </a:t>
-            </a:r>
-            <a:r>
-              <a:rPr kumimoji="1" lang="en-US" altLang="ko-Kore-KR" sz="2400" dirty="0" err="1">
-                <a:solidFill>
-                  <a:srgbClr val="FD997D"/>
-                </a:solidFill>
-                <a:latin typeface="Nanum Brush Script" panose="03060600000000000000" pitchFamily="66" charset="-127"/>
-                <a:ea typeface="Nanum Brush Script" panose="03060600000000000000" pitchFamily="66" charset="-127"/>
-              </a:rPr>
-              <a:t>ToDo</a:t>
-            </a:r>
-            <a:r>
-              <a:rPr kumimoji="1" lang="en-US" altLang="ko-Kore-KR" sz="2400" dirty="0">
-                <a:solidFill>
-                  <a:srgbClr val="FD997D"/>
-                </a:solidFill>
-                <a:latin typeface="Nanum Brush Script" panose="03060600000000000000" pitchFamily="66" charset="-127"/>
-                <a:ea typeface="Nanum Brush Script" panose="03060600000000000000" pitchFamily="66" charset="-127"/>
-              </a:rPr>
-              <a:t> Graph</a:t>
-            </a:r>
-          </a:p>
-        </p:txBody>
-      </p:sp>
-      <p:grpSp>
-        <p:nvGrpSpPr>
-          <p:cNvPr id="6" name="그룹 5">
-            <a:extLst>
-              <a:ext uri="{FF2B5EF4-FFF2-40B4-BE49-F238E27FC236}">
-                <a16:creationId xmlns:a16="http://schemas.microsoft.com/office/drawing/2014/main" id="{907166B2-C61A-462A-DBFB-14496702058A}"/>
-              </a:ext>
-            </a:extLst>
-          </p:cNvPr>
-          <p:cNvGrpSpPr/>
-          <p:nvPr/>
-        </p:nvGrpSpPr>
-        <p:grpSpPr>
-          <a:xfrm>
-            <a:off x="1877522" y="2281872"/>
-            <a:ext cx="8436956" cy="2294255"/>
-            <a:chOff x="231595" y="2352690"/>
-            <a:chExt cx="8436956" cy="2294255"/>
-          </a:xfrm>
-        </p:grpSpPr>
-        <p:sp>
-          <p:nvSpPr>
-            <p:cNvPr id="2" name="모서리가 둥근 직사각형 1">
-              <a:extLst>
-                <a:ext uri="{FF2B5EF4-FFF2-40B4-BE49-F238E27FC236}">
-                  <a16:creationId xmlns:a16="http://schemas.microsoft.com/office/drawing/2014/main" id="{A5251BAF-1CDC-07CC-0204-4EBF70A9D58F}"/>
-                </a:ext>
-              </a:extLst>
-            </p:cNvPr>
-            <p:cNvSpPr/>
-            <p:nvPr/>
-          </p:nvSpPr>
-          <p:spPr>
-            <a:xfrm>
-              <a:off x="952847" y="2929698"/>
-              <a:ext cx="1552755" cy="521898"/>
-            </a:xfrm>
-            <a:prstGeom prst="roundRect">
-              <a:avLst/>
-            </a:prstGeom>
-            <a:noFill/>
-            <a:ln>
-              <a:solidFill>
-                <a:schemeClr val="tx1"/>
-              </a:solidFill>
-            </a:ln>
-          </p:spPr>
-          <p:style>
-            <a:lnRef idx="2">
-              <a:schemeClr val="accent1">
-                <a:shade val="50000"/>
-              </a:schemeClr>
-            </a:lnRef>
-            <a:fillRef idx="1">
-              <a:schemeClr val="accent1"/>
-            </a:fillRef>
-            <a:effectRef idx="0">
-              <a:schemeClr val="accent1"/>
-            </a:effectRef>
-            <a:fontRef idx="minor">
-              <a:schemeClr val="lt1"/>
-            </a:fontRef>
-          </p:style>
-          <p:txBody>
-            <a:bodyPr rtlCol="0" anchor="ctr"/>
-            <a:lstStyle/>
-            <a:p>
-              <a:pPr algn="ctr"/>
-              <a:r>
-                <a:rPr kumimoji="1" lang="en-US" altLang="ko-KR" sz="1400" dirty="0" err="1">
-                  <a:solidFill>
-                    <a:srgbClr val="FD997D"/>
-                  </a:solidFill>
-                  <a:latin typeface="Malgun Gothic" panose="020B0503020000020004" pitchFamily="34" charset="-127"/>
-                  <a:ea typeface="Malgun Gothic" panose="020B0503020000020004" pitchFamily="34" charset="-127"/>
-                </a:rPr>
-                <a:t>ToDo</a:t>
-              </a:r>
-              <a:r>
-                <a:rPr kumimoji="1" lang="ko-KR" altLang="en-US" sz="1400" dirty="0">
-                  <a:solidFill>
-                    <a:srgbClr val="FD997D"/>
-                  </a:solidFill>
-                  <a:latin typeface="Malgun Gothic" panose="020B0503020000020004" pitchFamily="34" charset="-127"/>
-                  <a:ea typeface="Malgun Gothic" panose="020B0503020000020004" pitchFamily="34" charset="-127"/>
-                </a:rPr>
-                <a:t> 그래프 버튼 클릭</a:t>
-              </a:r>
-              <a:endParaRPr kumimoji="1" lang="ko-Kore-KR" altLang="en-US" sz="1400" dirty="0">
-                <a:solidFill>
-                  <a:srgbClr val="FD997D"/>
-                </a:solidFill>
-                <a:latin typeface="Malgun Gothic" panose="020B0503020000020004" pitchFamily="34" charset="-127"/>
-                <a:ea typeface="Malgun Gothic" panose="020B0503020000020004" pitchFamily="34" charset="-127"/>
-              </a:endParaRPr>
-            </a:p>
-          </p:txBody>
-        </p:sp>
-        <p:sp>
-          <p:nvSpPr>
-            <p:cNvPr id="9" name="모서리가 둥근 직사각형 8">
-              <a:extLst>
-                <a:ext uri="{FF2B5EF4-FFF2-40B4-BE49-F238E27FC236}">
-                  <a16:creationId xmlns:a16="http://schemas.microsoft.com/office/drawing/2014/main" id="{1CB744A0-2892-D6C3-4271-4EA46293F5F2}"/>
-                </a:ext>
-              </a:extLst>
-            </p:cNvPr>
-            <p:cNvSpPr/>
-            <p:nvPr/>
-          </p:nvSpPr>
-          <p:spPr>
-            <a:xfrm>
-              <a:off x="3044756" y="2929270"/>
-              <a:ext cx="1552755" cy="521898"/>
-            </a:xfrm>
-            <a:prstGeom prst="roundRect">
-              <a:avLst/>
-            </a:prstGeom>
-            <a:noFill/>
-            <a:ln>
-              <a:solidFill>
-                <a:schemeClr val="tx1"/>
-              </a:solidFill>
-            </a:ln>
-          </p:spPr>
-          <p:style>
-            <a:lnRef idx="2">
-              <a:schemeClr val="accent1">
-                <a:shade val="50000"/>
-              </a:schemeClr>
-            </a:lnRef>
-            <a:fillRef idx="1">
-              <a:schemeClr val="accent1"/>
-            </a:fillRef>
-            <a:effectRef idx="0">
-              <a:schemeClr val="accent1"/>
-            </a:effectRef>
-            <a:fontRef idx="minor">
-              <a:schemeClr val="lt1"/>
-            </a:fontRef>
-          </p:style>
-          <p:txBody>
-            <a:bodyPr rtlCol="0" anchor="ctr"/>
-            <a:lstStyle/>
-            <a:p>
-              <a:pPr algn="ctr"/>
-              <a:r>
-                <a:rPr kumimoji="1" lang="ko-KR" altLang="en-US" sz="1400" dirty="0">
-                  <a:solidFill>
-                    <a:srgbClr val="FD997D"/>
-                  </a:solidFill>
-                  <a:latin typeface="Malgun Gothic" panose="020B0503020000020004" pitchFamily="34" charset="-127"/>
-                  <a:ea typeface="Malgun Gothic" panose="020B0503020000020004" pitchFamily="34" charset="-127"/>
-                </a:rPr>
-                <a:t>이동하고 싶은 날짜 클릭</a:t>
-              </a:r>
-              <a:endParaRPr kumimoji="1" lang="ko-Kore-KR" altLang="en-US" sz="1400" dirty="0">
-                <a:solidFill>
-                  <a:srgbClr val="FD997D"/>
-                </a:solidFill>
-                <a:latin typeface="Malgun Gothic" panose="020B0503020000020004" pitchFamily="34" charset="-127"/>
-                <a:ea typeface="Malgun Gothic" panose="020B0503020000020004" pitchFamily="34" charset="-127"/>
-              </a:endParaRPr>
-            </a:p>
-          </p:txBody>
-        </p:sp>
-        <p:cxnSp>
-          <p:nvCxnSpPr>
-            <p:cNvPr id="10" name="직선 화살표 연결선 9">
-              <a:extLst>
-                <a:ext uri="{FF2B5EF4-FFF2-40B4-BE49-F238E27FC236}">
-                  <a16:creationId xmlns:a16="http://schemas.microsoft.com/office/drawing/2014/main" id="{6AA40A02-F47D-6C1E-28BC-221B12CDCC1B}"/>
-                </a:ext>
-              </a:extLst>
-            </p:cNvPr>
-            <p:cNvCxnSpPr>
-              <a:cxnSpLocks/>
-              <a:stCxn id="2" idx="3"/>
-              <a:endCxn id="9" idx="1"/>
-            </p:cNvCxnSpPr>
-            <p:nvPr/>
-          </p:nvCxnSpPr>
-          <p:spPr>
-            <a:xfrm flipV="1">
-              <a:off x="2505602" y="3190219"/>
-              <a:ext cx="539154" cy="428"/>
-            </a:xfrm>
-            <a:prstGeom prst="straightConnector1">
-              <a:avLst/>
-            </a:prstGeom>
-            <a:ln w="19050">
-              <a:tailEnd type="triangle"/>
-            </a:ln>
-          </p:spPr>
-          <p:style>
-            <a:lnRef idx="1">
-              <a:schemeClr val="dk1"/>
-            </a:lnRef>
-            <a:fillRef idx="0">
-              <a:schemeClr val="dk1"/>
-            </a:fillRef>
-            <a:effectRef idx="0">
-              <a:schemeClr val="dk1"/>
-            </a:effectRef>
-            <a:fontRef idx="minor">
-              <a:schemeClr val="tx1"/>
-            </a:fontRef>
-          </p:style>
-        </p:cxnSp>
-        <p:cxnSp>
-          <p:nvCxnSpPr>
-            <p:cNvPr id="11" name="직선 화살표 연결선 10">
-              <a:extLst>
-                <a:ext uri="{FF2B5EF4-FFF2-40B4-BE49-F238E27FC236}">
-                  <a16:creationId xmlns:a16="http://schemas.microsoft.com/office/drawing/2014/main" id="{4EADFBFD-5A30-1BB2-A31D-F2F4630CAF85}"/>
-                </a:ext>
-              </a:extLst>
-            </p:cNvPr>
-            <p:cNvCxnSpPr>
-              <a:cxnSpLocks/>
-              <a:stCxn id="29" idx="3"/>
-              <a:endCxn id="16" idx="1"/>
-            </p:cNvCxnSpPr>
-            <p:nvPr/>
-          </p:nvCxnSpPr>
-          <p:spPr>
-            <a:xfrm flipV="1">
-              <a:off x="5672945" y="3183534"/>
-              <a:ext cx="541227" cy="2971"/>
-            </a:xfrm>
-            <a:prstGeom prst="straightConnector1">
-              <a:avLst/>
-            </a:prstGeom>
-            <a:ln w="19050">
-              <a:tailEnd type="triangle"/>
-            </a:ln>
-          </p:spPr>
-          <p:style>
-            <a:lnRef idx="1">
-              <a:schemeClr val="dk1"/>
-            </a:lnRef>
-            <a:fillRef idx="0">
-              <a:schemeClr val="dk1"/>
-            </a:fillRef>
-            <a:effectRef idx="0">
-              <a:schemeClr val="dk1"/>
-            </a:effectRef>
-            <a:fontRef idx="minor">
-              <a:schemeClr val="tx1"/>
-            </a:fontRef>
-          </p:style>
-        </p:cxnSp>
-        <p:sp>
-          <p:nvSpPr>
-            <p:cNvPr id="8" name="타원 7">
-              <a:extLst>
-                <a:ext uri="{FF2B5EF4-FFF2-40B4-BE49-F238E27FC236}">
-                  <a16:creationId xmlns:a16="http://schemas.microsoft.com/office/drawing/2014/main" id="{4EB10E7C-656D-7A6C-0429-AA6B0E6036AE}"/>
-                </a:ext>
-              </a:extLst>
-            </p:cNvPr>
-            <p:cNvSpPr>
-              <a:spLocks noChangeAspect="1"/>
-            </p:cNvSpPr>
-            <p:nvPr/>
-          </p:nvSpPr>
-          <p:spPr>
-            <a:xfrm>
-              <a:off x="231595" y="3103103"/>
-              <a:ext cx="180000" cy="180000"/>
-            </a:xfrm>
-            <a:prstGeom prst="ellipse">
-              <a:avLst/>
-            </a:prstGeom>
-            <a:solidFill>
-              <a:schemeClr val="tx1"/>
-            </a:solidFill>
-            <a:ln>
-              <a:solidFill>
-                <a:schemeClr val="tx1"/>
-              </a:solidFill>
-            </a:ln>
-          </p:spPr>
-          <p:style>
-            <a:lnRef idx="2">
-              <a:schemeClr val="accent1">
-                <a:shade val="50000"/>
-              </a:schemeClr>
-            </a:lnRef>
-            <a:fillRef idx="1">
-              <a:schemeClr val="accent1"/>
-            </a:fillRef>
-            <a:effectRef idx="0">
-              <a:schemeClr val="accent1"/>
-            </a:effectRef>
-            <a:fontRef idx="minor">
-              <a:schemeClr val="lt1"/>
-            </a:fontRef>
-          </p:style>
-          <p:txBody>
-            <a:bodyPr rtlCol="0" anchor="ctr"/>
-            <a:lstStyle/>
-            <a:p>
-              <a:pPr algn="ctr"/>
-              <a:endParaRPr kumimoji="1" lang="ko-Kore-KR" altLang="en-US" sz="1600" dirty="0">
-                <a:solidFill>
-                  <a:srgbClr val="FD997D"/>
-                </a:solidFill>
-              </a:endParaRPr>
-            </a:p>
-          </p:txBody>
-        </p:sp>
-        <p:cxnSp>
-          <p:nvCxnSpPr>
-            <p:cNvPr id="12" name="직선 화살표 연결선 11">
-              <a:extLst>
-                <a:ext uri="{FF2B5EF4-FFF2-40B4-BE49-F238E27FC236}">
-                  <a16:creationId xmlns:a16="http://schemas.microsoft.com/office/drawing/2014/main" id="{17E4142C-636C-9B55-CFBF-D062B19AA63E}"/>
-                </a:ext>
-              </a:extLst>
-            </p:cNvPr>
-            <p:cNvCxnSpPr>
-              <a:cxnSpLocks/>
-              <a:stCxn id="8" idx="6"/>
-              <a:endCxn id="2" idx="1"/>
-            </p:cNvCxnSpPr>
-            <p:nvPr/>
-          </p:nvCxnSpPr>
-          <p:spPr>
-            <a:xfrm flipV="1">
-              <a:off x="411595" y="3190647"/>
-              <a:ext cx="541252" cy="0"/>
-            </a:xfrm>
-            <a:prstGeom prst="straightConnector1">
-              <a:avLst/>
-            </a:prstGeom>
-            <a:ln w="19050">
-              <a:tailEnd type="triangle"/>
-            </a:ln>
-          </p:spPr>
-          <p:style>
-            <a:lnRef idx="1">
-              <a:schemeClr val="dk1"/>
-            </a:lnRef>
-            <a:fillRef idx="0">
-              <a:schemeClr val="dk1"/>
-            </a:fillRef>
-            <a:effectRef idx="0">
-              <a:schemeClr val="dk1"/>
-            </a:effectRef>
-            <a:fontRef idx="minor">
-              <a:schemeClr val="tx1"/>
-            </a:fontRef>
-          </p:style>
-        </p:cxnSp>
-        <p:sp>
-          <p:nvSpPr>
-            <p:cNvPr id="16" name="모서리가 둥근 직사각형 15">
-              <a:extLst>
-                <a:ext uri="{FF2B5EF4-FFF2-40B4-BE49-F238E27FC236}">
-                  <a16:creationId xmlns:a16="http://schemas.microsoft.com/office/drawing/2014/main" id="{CD65A124-E008-3CCC-027B-66002174C56C}"/>
-                </a:ext>
-              </a:extLst>
-            </p:cNvPr>
-            <p:cNvSpPr/>
-            <p:nvPr/>
-          </p:nvSpPr>
-          <p:spPr>
-            <a:xfrm>
-              <a:off x="6214172" y="2854937"/>
-              <a:ext cx="1552755" cy="657194"/>
-            </a:xfrm>
-            <a:prstGeom prst="roundRect">
-              <a:avLst/>
-            </a:prstGeom>
-            <a:noFill/>
-            <a:ln>
-              <a:solidFill>
-                <a:schemeClr val="tx1"/>
-              </a:solidFill>
-            </a:ln>
-          </p:spPr>
-          <p:style>
-            <a:lnRef idx="2">
-              <a:schemeClr val="accent1">
-                <a:shade val="50000"/>
-              </a:schemeClr>
-            </a:lnRef>
-            <a:fillRef idx="1">
-              <a:schemeClr val="accent1"/>
-            </a:fillRef>
-            <a:effectRef idx="0">
-              <a:schemeClr val="accent1"/>
-            </a:effectRef>
-            <a:fontRef idx="minor">
-              <a:schemeClr val="lt1"/>
-            </a:fontRef>
-          </p:style>
-          <p:txBody>
-            <a:bodyPr rtlCol="0" anchor="ctr"/>
-            <a:lstStyle/>
-            <a:p>
-              <a:pPr algn="ctr"/>
-              <a:r>
-                <a:rPr kumimoji="1" lang="ko-KR" altLang="en-US" sz="1400" dirty="0">
-                  <a:solidFill>
-                    <a:srgbClr val="FD997D"/>
-                  </a:solidFill>
-                  <a:latin typeface="Malgun Gothic" panose="020B0503020000020004" pitchFamily="34" charset="-127"/>
-                  <a:ea typeface="Malgun Gothic" panose="020B0503020000020004" pitchFamily="34" charset="-127"/>
-                </a:rPr>
-                <a:t>메인 화면에 해당 날짜 </a:t>
-              </a:r>
-              <a:r>
-                <a:rPr kumimoji="1" lang="en-US" altLang="ko-KR" sz="1400" dirty="0" err="1">
-                  <a:solidFill>
-                    <a:srgbClr val="FD997D"/>
-                  </a:solidFill>
-                  <a:latin typeface="Malgun Gothic" panose="020B0503020000020004" pitchFamily="34" charset="-127"/>
-                  <a:ea typeface="Malgun Gothic" panose="020B0503020000020004" pitchFamily="34" charset="-127"/>
-                </a:rPr>
-                <a:t>ToDo</a:t>
-              </a:r>
-              <a:r>
-                <a:rPr kumimoji="1" lang="ko-KR" altLang="en-US" sz="1400" dirty="0">
-                  <a:solidFill>
-                    <a:srgbClr val="FD997D"/>
-                  </a:solidFill>
-                  <a:latin typeface="Malgun Gothic" panose="020B0503020000020004" pitchFamily="34" charset="-127"/>
-                  <a:ea typeface="Malgun Gothic" panose="020B0503020000020004" pitchFamily="34" charset="-127"/>
-                </a:rPr>
-                <a:t> 출력</a:t>
-              </a:r>
-              <a:endParaRPr kumimoji="1" lang="ko-Kore-KR" altLang="en-US" sz="1400" dirty="0">
-                <a:solidFill>
-                  <a:srgbClr val="FD997D"/>
-                </a:solidFill>
-                <a:latin typeface="Malgun Gothic" panose="020B0503020000020004" pitchFamily="34" charset="-127"/>
-                <a:ea typeface="Malgun Gothic" panose="020B0503020000020004" pitchFamily="34" charset="-127"/>
-              </a:endParaRPr>
-            </a:p>
-          </p:txBody>
-        </p:sp>
-        <p:grpSp>
-          <p:nvGrpSpPr>
-            <p:cNvPr id="13" name="그룹 12">
-              <a:extLst>
-                <a:ext uri="{FF2B5EF4-FFF2-40B4-BE49-F238E27FC236}">
-                  <a16:creationId xmlns:a16="http://schemas.microsoft.com/office/drawing/2014/main" id="{CE8FB19E-AF6C-6C54-4902-418FFFB6752C}"/>
-                </a:ext>
-              </a:extLst>
-            </p:cNvPr>
-            <p:cNvGrpSpPr/>
-            <p:nvPr/>
-          </p:nvGrpSpPr>
-          <p:grpSpPr>
-            <a:xfrm>
-              <a:off x="8308551" y="3000082"/>
-              <a:ext cx="360000" cy="360000"/>
-              <a:chOff x="10548998" y="2975434"/>
-              <a:chExt cx="360000" cy="360000"/>
-            </a:xfrm>
-          </p:grpSpPr>
-          <p:sp>
-            <p:nvSpPr>
-              <p:cNvPr id="21" name="타원 20">
-                <a:extLst>
-                  <a:ext uri="{FF2B5EF4-FFF2-40B4-BE49-F238E27FC236}">
-                    <a16:creationId xmlns:a16="http://schemas.microsoft.com/office/drawing/2014/main" id="{7292B075-E970-F23D-A086-8B8946A0DFB4}"/>
-                  </a:ext>
-                </a:extLst>
-              </p:cNvPr>
-              <p:cNvSpPr>
-                <a:spLocks noChangeAspect="1"/>
-              </p:cNvSpPr>
-              <p:nvPr/>
-            </p:nvSpPr>
-            <p:spPr>
-              <a:xfrm>
-                <a:off x="10548998" y="2975434"/>
-                <a:ext cx="360000" cy="360000"/>
-              </a:xfrm>
-              <a:prstGeom prst="ellipse">
-                <a:avLst/>
-              </a:prstGeom>
-              <a:noFill/>
-              <a:ln>
-                <a:solidFill>
-                  <a:schemeClr val="tx1"/>
-                </a:solidFill>
-              </a:ln>
-            </p:spPr>
-            <p:style>
-              <a:lnRef idx="2">
-                <a:schemeClr val="accent1">
-                  <a:shade val="50000"/>
-                </a:schemeClr>
-              </a:lnRef>
-              <a:fillRef idx="1">
-                <a:schemeClr val="accent1"/>
-              </a:fillRef>
-              <a:effectRef idx="0">
-                <a:schemeClr val="accent1"/>
-              </a:effectRef>
-              <a:fontRef idx="minor">
-                <a:schemeClr val="lt1"/>
-              </a:fontRef>
-            </p:style>
-            <p:txBody>
-              <a:bodyPr rtlCol="0" anchor="ctr"/>
-              <a:lstStyle/>
-              <a:p>
-                <a:pPr algn="ctr"/>
-                <a:endParaRPr kumimoji="1" lang="ko-Kore-KR" altLang="en-US" sz="1600" dirty="0">
-                  <a:solidFill>
-                    <a:srgbClr val="FD997D"/>
-                  </a:solidFill>
-                </a:endParaRPr>
-              </a:p>
-            </p:txBody>
-          </p:sp>
-          <p:sp>
-            <p:nvSpPr>
-              <p:cNvPr id="22" name="타원 21">
-                <a:extLst>
-                  <a:ext uri="{FF2B5EF4-FFF2-40B4-BE49-F238E27FC236}">
-                    <a16:creationId xmlns:a16="http://schemas.microsoft.com/office/drawing/2014/main" id="{1EFC17BF-AB88-1401-B020-8A2D23F280C9}"/>
-                  </a:ext>
-                </a:extLst>
-              </p:cNvPr>
-              <p:cNvSpPr>
-                <a:spLocks noChangeAspect="1"/>
-              </p:cNvSpPr>
-              <p:nvPr/>
-            </p:nvSpPr>
-            <p:spPr>
-              <a:xfrm>
-                <a:off x="10620998" y="3047434"/>
-                <a:ext cx="216000" cy="216000"/>
-              </a:xfrm>
-              <a:prstGeom prst="ellipse">
-                <a:avLst/>
-              </a:prstGeom>
-              <a:solidFill>
-                <a:schemeClr val="tx1"/>
-              </a:solidFill>
-              <a:ln>
-                <a:solidFill>
-                  <a:schemeClr val="tx1"/>
-                </a:solidFill>
-              </a:ln>
-            </p:spPr>
-            <p:style>
-              <a:lnRef idx="2">
-                <a:schemeClr val="accent1">
-                  <a:shade val="50000"/>
-                </a:schemeClr>
-              </a:lnRef>
-              <a:fillRef idx="1">
-                <a:schemeClr val="accent1"/>
-              </a:fillRef>
-              <a:effectRef idx="0">
-                <a:schemeClr val="accent1"/>
-              </a:effectRef>
-              <a:fontRef idx="minor">
-                <a:schemeClr val="lt1"/>
-              </a:fontRef>
-            </p:style>
-            <p:txBody>
-              <a:bodyPr rtlCol="0" anchor="ctr"/>
-              <a:lstStyle/>
-              <a:p>
-                <a:pPr algn="ctr"/>
-                <a:endParaRPr kumimoji="1" lang="ko-Kore-KR" altLang="en-US" sz="1600" dirty="0">
-                  <a:solidFill>
-                    <a:srgbClr val="FD997D"/>
-                  </a:solidFill>
-                </a:endParaRPr>
-              </a:p>
-            </p:txBody>
-          </p:sp>
-        </p:grpSp>
-        <p:cxnSp>
-          <p:nvCxnSpPr>
-            <p:cNvPr id="26" name="직선 화살표 연결선 25">
-              <a:extLst>
-                <a:ext uri="{FF2B5EF4-FFF2-40B4-BE49-F238E27FC236}">
-                  <a16:creationId xmlns:a16="http://schemas.microsoft.com/office/drawing/2014/main" id="{11F3F031-42F9-4602-4002-02FEA6363BBC}"/>
-                </a:ext>
-              </a:extLst>
-            </p:cNvPr>
-            <p:cNvCxnSpPr>
-              <a:cxnSpLocks/>
-              <a:stCxn id="9" idx="3"/>
-              <a:endCxn id="29" idx="1"/>
-            </p:cNvCxnSpPr>
-            <p:nvPr/>
-          </p:nvCxnSpPr>
-          <p:spPr>
-            <a:xfrm flipV="1">
-              <a:off x="4597511" y="3186505"/>
-              <a:ext cx="535434" cy="3714"/>
-            </a:xfrm>
-            <a:prstGeom prst="straightConnector1">
-              <a:avLst/>
-            </a:prstGeom>
-            <a:ln w="19050">
-              <a:tailEnd type="triangle"/>
-            </a:ln>
-          </p:spPr>
-          <p:style>
-            <a:lnRef idx="1">
-              <a:schemeClr val="dk1"/>
-            </a:lnRef>
-            <a:fillRef idx="0">
-              <a:schemeClr val="dk1"/>
-            </a:fillRef>
-            <a:effectRef idx="0">
-              <a:schemeClr val="dk1"/>
-            </a:effectRef>
-            <a:fontRef idx="minor">
-              <a:schemeClr val="tx1"/>
-            </a:fontRef>
-          </p:style>
-        </p:cxnSp>
-        <p:sp>
-          <p:nvSpPr>
-            <p:cNvPr id="29" name="다이아몬드 28">
-              <a:extLst>
-                <a:ext uri="{FF2B5EF4-FFF2-40B4-BE49-F238E27FC236}">
-                  <a16:creationId xmlns:a16="http://schemas.microsoft.com/office/drawing/2014/main" id="{58D6FACC-9F8D-E007-6348-98131767BEA8}"/>
-                </a:ext>
-              </a:extLst>
-            </p:cNvPr>
-            <p:cNvSpPr>
-              <a:spLocks noChangeAspect="1"/>
-            </p:cNvSpPr>
-            <p:nvPr/>
-          </p:nvSpPr>
-          <p:spPr>
-            <a:xfrm>
-              <a:off x="5132945" y="2916505"/>
-              <a:ext cx="540000" cy="540000"/>
-            </a:xfrm>
-            <a:prstGeom prst="diamond">
-              <a:avLst/>
-            </a:prstGeom>
-            <a:noFill/>
-            <a:ln>
-              <a:solidFill>
-                <a:schemeClr val="tx1"/>
-              </a:solidFill>
-            </a:ln>
-          </p:spPr>
-          <p:style>
-            <a:lnRef idx="2">
-              <a:schemeClr val="accent1">
-                <a:shade val="50000"/>
-              </a:schemeClr>
-            </a:lnRef>
-            <a:fillRef idx="1">
-              <a:schemeClr val="accent1"/>
-            </a:fillRef>
-            <a:effectRef idx="0">
-              <a:schemeClr val="accent1"/>
-            </a:effectRef>
-            <a:fontRef idx="minor">
-              <a:schemeClr val="lt1"/>
-            </a:fontRef>
-          </p:style>
-          <p:txBody>
-            <a:bodyPr rtlCol="0" anchor="ctr"/>
-            <a:lstStyle/>
-            <a:p>
-              <a:pPr algn="ctr"/>
-              <a:endParaRPr kumimoji="1" lang="ko-Kore-KR" altLang="en-US"/>
-            </a:p>
-          </p:txBody>
-        </p:sp>
-        <p:sp>
-          <p:nvSpPr>
-            <p:cNvPr id="31" name="TextBox 30">
-              <a:extLst>
-                <a:ext uri="{FF2B5EF4-FFF2-40B4-BE49-F238E27FC236}">
-                  <a16:creationId xmlns:a16="http://schemas.microsoft.com/office/drawing/2014/main" id="{772BB182-D38E-2453-BEC8-BD0131A6A46A}"/>
-                </a:ext>
-              </a:extLst>
-            </p:cNvPr>
-            <p:cNvSpPr txBox="1"/>
-            <p:nvPr/>
-          </p:nvSpPr>
-          <p:spPr>
-            <a:xfrm>
-              <a:off x="4351163" y="2352690"/>
-              <a:ext cx="1757276" cy="523220"/>
-            </a:xfrm>
-            <a:prstGeom prst="rect">
-              <a:avLst/>
-            </a:prstGeom>
-            <a:noFill/>
-          </p:spPr>
-          <p:txBody>
-            <a:bodyPr wrap="none" rtlCol="0">
-              <a:spAutoFit/>
-            </a:bodyPr>
-            <a:lstStyle/>
-            <a:p>
-              <a:r>
-                <a:rPr kumimoji="1" lang="ko-KR" altLang="en-US" sz="1400" dirty="0">
-                  <a:solidFill>
-                    <a:srgbClr val="FD997D"/>
-                  </a:solidFill>
-                </a:rPr>
-                <a:t>클릭한 날짜</a:t>
-              </a:r>
-              <a:r>
-                <a:rPr kumimoji="1" lang="en-US" altLang="ko-KR" sz="1400" dirty="0">
-                  <a:solidFill>
-                    <a:srgbClr val="FD997D"/>
-                  </a:solidFill>
-                </a:rPr>
-                <a:t> DB</a:t>
-              </a:r>
-              <a:r>
-                <a:rPr kumimoji="1" lang="ko-KR" altLang="en-US" sz="1400" dirty="0">
-                  <a:solidFill>
-                    <a:srgbClr val="FD997D"/>
-                  </a:solidFill>
-                </a:rPr>
-                <a:t>에</a:t>
-              </a:r>
-              <a:endParaRPr kumimoji="1" lang="en-US" altLang="ko-KR" sz="1400" dirty="0">
-                <a:solidFill>
-                  <a:srgbClr val="FD997D"/>
-                </a:solidFill>
-              </a:endParaRPr>
-            </a:p>
-            <a:p>
-              <a:r>
-                <a:rPr kumimoji="1" lang="en-US" altLang="ko-KR" sz="1400" dirty="0" err="1">
-                  <a:solidFill>
-                    <a:srgbClr val="FD997D"/>
-                  </a:solidFill>
-                </a:rPr>
-                <a:t>ToDo</a:t>
-              </a:r>
-              <a:r>
-                <a:rPr kumimoji="1" lang="ko-KR" altLang="en-US" sz="1400" dirty="0">
-                  <a:solidFill>
-                    <a:srgbClr val="FD997D"/>
-                  </a:solidFill>
-                </a:rPr>
-                <a:t>가 존재하는가</a:t>
-              </a:r>
-              <a:r>
-                <a:rPr kumimoji="1" lang="en-US" altLang="ko-KR" sz="1400" dirty="0">
-                  <a:solidFill>
-                    <a:srgbClr val="FD997D"/>
-                  </a:solidFill>
-                </a:rPr>
-                <a:t>?</a:t>
-              </a:r>
-            </a:p>
-          </p:txBody>
-        </p:sp>
-        <p:sp>
-          <p:nvSpPr>
-            <p:cNvPr id="37" name="TextBox 36">
-              <a:extLst>
-                <a:ext uri="{FF2B5EF4-FFF2-40B4-BE49-F238E27FC236}">
-                  <a16:creationId xmlns:a16="http://schemas.microsoft.com/office/drawing/2014/main" id="{571795A3-82D0-7622-60AC-8DB0D0F60F34}"/>
-                </a:ext>
-              </a:extLst>
-            </p:cNvPr>
-            <p:cNvSpPr txBox="1"/>
-            <p:nvPr/>
-          </p:nvSpPr>
-          <p:spPr>
-            <a:xfrm>
-              <a:off x="5722221" y="3184407"/>
-              <a:ext cx="389594" cy="276999"/>
-            </a:xfrm>
-            <a:prstGeom prst="rect">
-              <a:avLst/>
-            </a:prstGeom>
-            <a:noFill/>
-          </p:spPr>
-          <p:txBody>
-            <a:bodyPr wrap="none" rtlCol="0">
-              <a:spAutoFit/>
-            </a:bodyPr>
-            <a:lstStyle/>
-            <a:p>
-              <a:r>
-                <a:rPr kumimoji="1" lang="en-US" altLang="ko-Kore-KR" sz="1200" dirty="0"/>
-                <a:t>yes</a:t>
-              </a:r>
-              <a:endParaRPr kumimoji="1" lang="ko-Kore-KR" altLang="en-US" sz="1200" dirty="0"/>
-            </a:p>
-          </p:txBody>
-        </p:sp>
-        <p:cxnSp>
-          <p:nvCxnSpPr>
-            <p:cNvPr id="38" name="직선 화살표 연결선 37">
-              <a:extLst>
-                <a:ext uri="{FF2B5EF4-FFF2-40B4-BE49-F238E27FC236}">
-                  <a16:creationId xmlns:a16="http://schemas.microsoft.com/office/drawing/2014/main" id="{B28AA7A9-5280-17E1-1CE4-48CEE4D6C230}"/>
-                </a:ext>
-              </a:extLst>
-            </p:cNvPr>
-            <p:cNvCxnSpPr>
-              <a:cxnSpLocks/>
-              <a:stCxn id="29" idx="2"/>
-              <a:endCxn id="40" idx="0"/>
-            </p:cNvCxnSpPr>
-            <p:nvPr/>
-          </p:nvCxnSpPr>
-          <p:spPr>
-            <a:xfrm>
-              <a:off x="5402945" y="3456505"/>
-              <a:ext cx="3852" cy="536960"/>
-            </a:xfrm>
-            <a:prstGeom prst="straightConnector1">
-              <a:avLst/>
-            </a:prstGeom>
-            <a:ln w="19050">
-              <a:tailEnd type="triangle"/>
-            </a:ln>
-          </p:spPr>
-          <p:style>
-            <a:lnRef idx="1">
-              <a:schemeClr val="dk1"/>
-            </a:lnRef>
-            <a:fillRef idx="0">
-              <a:schemeClr val="dk1"/>
-            </a:fillRef>
-            <a:effectRef idx="0">
-              <a:schemeClr val="dk1"/>
-            </a:effectRef>
-            <a:fontRef idx="minor">
-              <a:schemeClr val="tx1"/>
-            </a:fontRef>
-          </p:style>
-        </p:cxnSp>
-        <p:sp>
-          <p:nvSpPr>
-            <p:cNvPr id="40" name="모서리가 둥근 직사각형 39">
-              <a:extLst>
-                <a:ext uri="{FF2B5EF4-FFF2-40B4-BE49-F238E27FC236}">
-                  <a16:creationId xmlns:a16="http://schemas.microsoft.com/office/drawing/2014/main" id="{42F73CDA-A9B1-20E1-CDDA-428DCF1B41AA}"/>
-                </a:ext>
-              </a:extLst>
-            </p:cNvPr>
-            <p:cNvSpPr/>
-            <p:nvPr/>
-          </p:nvSpPr>
-          <p:spPr>
-            <a:xfrm>
-              <a:off x="4570675" y="3993465"/>
-              <a:ext cx="1672243" cy="653480"/>
-            </a:xfrm>
-            <a:prstGeom prst="roundRect">
-              <a:avLst/>
-            </a:prstGeom>
-            <a:noFill/>
-            <a:ln>
-              <a:solidFill>
-                <a:schemeClr val="tx1"/>
-              </a:solidFill>
-            </a:ln>
-          </p:spPr>
-          <p:style>
-            <a:lnRef idx="2">
-              <a:schemeClr val="accent1">
-                <a:shade val="50000"/>
-              </a:schemeClr>
-            </a:lnRef>
-            <a:fillRef idx="1">
-              <a:schemeClr val="accent1"/>
-            </a:fillRef>
-            <a:effectRef idx="0">
-              <a:schemeClr val="accent1"/>
-            </a:effectRef>
-            <a:fontRef idx="minor">
-              <a:schemeClr val="lt1"/>
-            </a:fontRef>
-          </p:style>
-          <p:txBody>
-            <a:bodyPr rtlCol="0" anchor="ctr"/>
-            <a:lstStyle/>
-            <a:p>
-              <a:pPr algn="ctr"/>
-              <a:r>
-                <a:rPr kumimoji="1" lang="ko-KR" altLang="en-US" sz="1400" dirty="0">
-                  <a:solidFill>
-                    <a:srgbClr val="FD997D"/>
-                  </a:solidFill>
-                  <a:latin typeface="Malgun Gothic" panose="020B0503020000020004" pitchFamily="34" charset="-127"/>
-                  <a:ea typeface="Malgun Gothic" panose="020B0503020000020004" pitchFamily="34" charset="-127"/>
-                </a:rPr>
-                <a:t>해당 날짜에 작성된 </a:t>
-              </a:r>
-              <a:r>
-                <a:rPr kumimoji="1" lang="en-US" altLang="ko-KR" sz="1400" dirty="0" err="1">
-                  <a:solidFill>
-                    <a:srgbClr val="FD997D"/>
-                  </a:solidFill>
-                  <a:latin typeface="Malgun Gothic" panose="020B0503020000020004" pitchFamily="34" charset="-127"/>
-                  <a:ea typeface="Malgun Gothic" panose="020B0503020000020004" pitchFamily="34" charset="-127"/>
-                </a:rPr>
-                <a:t>ToDo</a:t>
-              </a:r>
-              <a:r>
-                <a:rPr kumimoji="1" lang="ko-KR" altLang="en-US" sz="1400" dirty="0">
-                  <a:solidFill>
-                    <a:srgbClr val="FD997D"/>
-                  </a:solidFill>
-                  <a:latin typeface="Malgun Gothic" panose="020B0503020000020004" pitchFamily="34" charset="-127"/>
-                  <a:ea typeface="Malgun Gothic" panose="020B0503020000020004" pitchFamily="34" charset="-127"/>
-                </a:rPr>
-                <a:t> 없음 알림</a:t>
-              </a:r>
-              <a:endParaRPr kumimoji="1" lang="en-US" altLang="ko-KR" sz="1400" dirty="0">
-                <a:solidFill>
-                  <a:srgbClr val="FD997D"/>
-                </a:solidFill>
-                <a:latin typeface="Malgun Gothic" panose="020B0503020000020004" pitchFamily="34" charset="-127"/>
-                <a:ea typeface="Malgun Gothic" panose="020B0503020000020004" pitchFamily="34" charset="-127"/>
-              </a:endParaRPr>
-            </a:p>
-          </p:txBody>
-        </p:sp>
-        <p:cxnSp>
-          <p:nvCxnSpPr>
-            <p:cNvPr id="41" name="꺾인 연결선[E] 40">
-              <a:extLst>
-                <a:ext uri="{FF2B5EF4-FFF2-40B4-BE49-F238E27FC236}">
-                  <a16:creationId xmlns:a16="http://schemas.microsoft.com/office/drawing/2014/main" id="{DB59E783-19C0-9294-AEFD-A5E74C06D002}"/>
-                </a:ext>
-              </a:extLst>
-            </p:cNvPr>
-            <p:cNvCxnSpPr>
-              <a:cxnSpLocks/>
-              <a:stCxn id="40" idx="1"/>
-              <a:endCxn id="9" idx="2"/>
-            </p:cNvCxnSpPr>
-            <p:nvPr/>
-          </p:nvCxnSpPr>
-          <p:spPr>
-            <a:xfrm rot="10800000">
-              <a:off x="3821135" y="3451169"/>
-              <a:ext cx="749541" cy="869037"/>
-            </a:xfrm>
-            <a:prstGeom prst="bentConnector2">
-              <a:avLst/>
-            </a:prstGeom>
-            <a:ln w="19050">
-              <a:solidFill>
-                <a:schemeClr val="tx1"/>
-              </a:solidFill>
-              <a:tailEnd type="triangle"/>
-            </a:ln>
-          </p:spPr>
-          <p:style>
-            <a:lnRef idx="1">
-              <a:schemeClr val="accent1"/>
-            </a:lnRef>
-            <a:fillRef idx="0">
-              <a:schemeClr val="accent1"/>
-            </a:fillRef>
-            <a:effectRef idx="0">
-              <a:schemeClr val="accent1"/>
-            </a:effectRef>
-            <a:fontRef idx="minor">
-              <a:schemeClr val="tx1"/>
-            </a:fontRef>
-          </p:style>
-        </p:cxnSp>
-        <p:sp>
-          <p:nvSpPr>
-            <p:cNvPr id="44" name="TextBox 43">
-              <a:extLst>
-                <a:ext uri="{FF2B5EF4-FFF2-40B4-BE49-F238E27FC236}">
-                  <a16:creationId xmlns:a16="http://schemas.microsoft.com/office/drawing/2014/main" id="{7445F3D4-5428-4BBE-E3A4-7CCFE656D628}"/>
-                </a:ext>
-              </a:extLst>
-            </p:cNvPr>
-            <p:cNvSpPr txBox="1"/>
-            <p:nvPr/>
-          </p:nvSpPr>
-          <p:spPr>
-            <a:xfrm>
-              <a:off x="5408017" y="3570027"/>
-              <a:ext cx="365806" cy="276999"/>
-            </a:xfrm>
-            <a:prstGeom prst="rect">
-              <a:avLst/>
-            </a:prstGeom>
-            <a:noFill/>
-          </p:spPr>
-          <p:txBody>
-            <a:bodyPr wrap="none" rtlCol="0">
-              <a:spAutoFit/>
-            </a:bodyPr>
-            <a:lstStyle/>
-            <a:p>
-              <a:r>
-                <a:rPr kumimoji="1" lang="en-US" altLang="ko-Kore-KR" sz="1200" dirty="0"/>
-                <a:t>No</a:t>
-              </a:r>
-              <a:endParaRPr kumimoji="1" lang="ko-Kore-KR" altLang="en-US" sz="1200" dirty="0"/>
-            </a:p>
-          </p:txBody>
-        </p:sp>
-        <p:cxnSp>
-          <p:nvCxnSpPr>
-            <p:cNvPr id="54" name="직선 화살표 연결선 53">
-              <a:extLst>
-                <a:ext uri="{FF2B5EF4-FFF2-40B4-BE49-F238E27FC236}">
-                  <a16:creationId xmlns:a16="http://schemas.microsoft.com/office/drawing/2014/main" id="{8B050F47-22CD-FFFD-46DA-211825463B5B}"/>
-                </a:ext>
-              </a:extLst>
-            </p:cNvPr>
-            <p:cNvCxnSpPr>
-              <a:cxnSpLocks/>
-              <a:stCxn id="16" idx="3"/>
-              <a:endCxn id="21" idx="2"/>
-            </p:cNvCxnSpPr>
-            <p:nvPr/>
-          </p:nvCxnSpPr>
-          <p:spPr>
-            <a:xfrm flipV="1">
-              <a:off x="7766927" y="3180082"/>
-              <a:ext cx="541624" cy="3452"/>
-            </a:xfrm>
-            <a:prstGeom prst="straightConnector1">
-              <a:avLst/>
-            </a:prstGeom>
-            <a:ln w="19050">
-              <a:tailEnd type="triangle"/>
-            </a:ln>
-          </p:spPr>
-          <p:style>
-            <a:lnRef idx="1">
-              <a:schemeClr val="dk1"/>
-            </a:lnRef>
-            <a:fillRef idx="0">
-              <a:schemeClr val="dk1"/>
-            </a:fillRef>
-            <a:effectRef idx="0">
-              <a:schemeClr val="dk1"/>
-            </a:effectRef>
-            <a:fontRef idx="minor">
-              <a:schemeClr val="tx1"/>
-            </a:fontRef>
-          </p:style>
-        </p:cxnSp>
-      </p:grpSp>
-    </p:spTree>
-    <p:extLst>
-      <p:ext uri="{BB962C8B-B14F-4D97-AF65-F5344CB8AC3E}">
-        <p14:creationId xmlns:p14="http://schemas.microsoft.com/office/powerpoint/2010/main" val="72439347"/>
       </p:ext>
     </p:extLst>
   </p:cSld>
@@ -10797,12 +9608,445 @@
           </a:p>
         </p:txBody>
       </p:sp>
+      <p:sp>
+        <p:nvSpPr>
+          <p:cNvPr id="2" name="모서리가 둥근 직사각형 1">
+            <a:extLst>
+              <a:ext uri="{FF2B5EF4-FFF2-40B4-BE49-F238E27FC236}">
+                <a16:creationId xmlns:a16="http://schemas.microsoft.com/office/drawing/2014/main" id="{A5251BAF-1CDC-07CC-0204-4EBF70A9D58F}"/>
+              </a:ext>
+            </a:extLst>
+          </p:cNvPr>
+          <p:cNvSpPr/>
+          <p:nvPr/>
+        </p:nvSpPr>
+        <p:spPr>
+          <a:xfrm>
+            <a:off x="952847" y="2929698"/>
+            <a:ext cx="1552755" cy="521898"/>
+          </a:xfrm>
+          <a:prstGeom prst="roundRect">
+            <a:avLst/>
+          </a:prstGeom>
+          <a:noFill/>
+          <a:ln>
+            <a:solidFill>
+              <a:schemeClr val="tx1"/>
+            </a:solidFill>
+          </a:ln>
+        </p:spPr>
+        <p:style>
+          <a:lnRef idx="2">
+            <a:schemeClr val="accent1">
+              <a:shade val="50000"/>
+            </a:schemeClr>
+          </a:lnRef>
+          <a:fillRef idx="1">
+            <a:schemeClr val="accent1"/>
+          </a:fillRef>
+          <a:effectRef idx="0">
+            <a:schemeClr val="accent1"/>
+          </a:effectRef>
+          <a:fontRef idx="minor">
+            <a:schemeClr val="lt1"/>
+          </a:fontRef>
+        </p:style>
+        <p:txBody>
+          <a:bodyPr rtlCol="0" anchor="ctr"/>
+          <a:lstStyle/>
+          <a:p>
+            <a:pPr algn="ctr"/>
+            <a:r>
+              <a:rPr kumimoji="1" lang="ko-Kore-KR" altLang="en-US" sz="1400" dirty="0">
+                <a:solidFill>
+                  <a:srgbClr val="FD997D"/>
+                </a:solidFill>
+                <a:latin typeface="Malgun Gothic" panose="020B0503020000020004" pitchFamily="34" charset="-127"/>
+                <a:ea typeface="Malgun Gothic" panose="020B0503020000020004" pitchFamily="34" charset="-127"/>
+              </a:rPr>
+              <a:t>다이어리</a:t>
+            </a:r>
+            <a:r>
+              <a:rPr kumimoji="1" lang="ko-KR" altLang="en-US" sz="1400" dirty="0">
+                <a:solidFill>
+                  <a:srgbClr val="FD997D"/>
+                </a:solidFill>
+                <a:latin typeface="Malgun Gothic" panose="020B0503020000020004" pitchFamily="34" charset="-127"/>
+                <a:ea typeface="Malgun Gothic" panose="020B0503020000020004" pitchFamily="34" charset="-127"/>
+              </a:rPr>
+              <a:t> 검색버튼 클릭</a:t>
+            </a:r>
+            <a:endParaRPr kumimoji="1" lang="ko-Kore-KR" altLang="en-US" sz="1400" dirty="0">
+              <a:solidFill>
+                <a:srgbClr val="FD997D"/>
+              </a:solidFill>
+              <a:latin typeface="Malgun Gothic" panose="020B0503020000020004" pitchFamily="34" charset="-127"/>
+              <a:ea typeface="Malgun Gothic" panose="020B0503020000020004" pitchFamily="34" charset="-127"/>
+            </a:endParaRPr>
+          </a:p>
+        </p:txBody>
+      </p:sp>
+      <p:sp>
+        <p:nvSpPr>
+          <p:cNvPr id="9" name="모서리가 둥근 직사각형 8">
+            <a:extLst>
+              <a:ext uri="{FF2B5EF4-FFF2-40B4-BE49-F238E27FC236}">
+                <a16:creationId xmlns:a16="http://schemas.microsoft.com/office/drawing/2014/main" id="{1CB744A0-2892-D6C3-4271-4EA46293F5F2}"/>
+              </a:ext>
+            </a:extLst>
+          </p:cNvPr>
+          <p:cNvSpPr/>
+          <p:nvPr/>
+        </p:nvSpPr>
+        <p:spPr>
+          <a:xfrm>
+            <a:off x="3044756" y="2929270"/>
+            <a:ext cx="1552755" cy="521898"/>
+          </a:xfrm>
+          <a:prstGeom prst="roundRect">
+            <a:avLst/>
+          </a:prstGeom>
+          <a:noFill/>
+          <a:ln>
+            <a:solidFill>
+              <a:schemeClr val="tx1"/>
+            </a:solidFill>
+          </a:ln>
+        </p:spPr>
+        <p:style>
+          <a:lnRef idx="2">
+            <a:schemeClr val="accent1">
+              <a:shade val="50000"/>
+            </a:schemeClr>
+          </a:lnRef>
+          <a:fillRef idx="1">
+            <a:schemeClr val="accent1"/>
+          </a:fillRef>
+          <a:effectRef idx="0">
+            <a:schemeClr val="accent1"/>
+          </a:effectRef>
+          <a:fontRef idx="minor">
+            <a:schemeClr val="lt1"/>
+          </a:fontRef>
+        </p:style>
+        <p:txBody>
+          <a:bodyPr rtlCol="0" anchor="ctr"/>
+          <a:lstStyle/>
+          <a:p>
+            <a:pPr algn="ctr"/>
+            <a:r>
+              <a:rPr kumimoji="1" lang="ko-KR" altLang="en-US" sz="1400" dirty="0">
+                <a:solidFill>
+                  <a:srgbClr val="FD997D"/>
+                </a:solidFill>
+                <a:latin typeface="Malgun Gothic" panose="020B0503020000020004" pitchFamily="34" charset="-127"/>
+                <a:ea typeface="Malgun Gothic" panose="020B0503020000020004" pitchFamily="34" charset="-127"/>
+              </a:rPr>
+              <a:t>검색창에 해시태그 입력</a:t>
+            </a:r>
+            <a:endParaRPr kumimoji="1" lang="ko-Kore-KR" altLang="en-US" sz="1400" dirty="0">
+              <a:solidFill>
+                <a:srgbClr val="FD997D"/>
+              </a:solidFill>
+              <a:latin typeface="Malgun Gothic" panose="020B0503020000020004" pitchFamily="34" charset="-127"/>
+              <a:ea typeface="Malgun Gothic" panose="020B0503020000020004" pitchFamily="34" charset="-127"/>
+            </a:endParaRPr>
+          </a:p>
+        </p:txBody>
+      </p:sp>
+      <p:cxnSp>
+        <p:nvCxnSpPr>
+          <p:cNvPr id="10" name="직선 화살표 연결선 9">
+            <a:extLst>
+              <a:ext uri="{FF2B5EF4-FFF2-40B4-BE49-F238E27FC236}">
+                <a16:creationId xmlns:a16="http://schemas.microsoft.com/office/drawing/2014/main" id="{6AA40A02-F47D-6C1E-28BC-221B12CDCC1B}"/>
+              </a:ext>
+            </a:extLst>
+          </p:cNvPr>
+          <p:cNvCxnSpPr>
+            <a:cxnSpLocks/>
+            <a:stCxn id="2" idx="3"/>
+            <a:endCxn id="9" idx="1"/>
+          </p:cNvCxnSpPr>
+          <p:nvPr/>
+        </p:nvCxnSpPr>
+        <p:spPr>
+          <a:xfrm flipV="1">
+            <a:off x="2505602" y="3190219"/>
+            <a:ext cx="539154" cy="428"/>
+          </a:xfrm>
+          <a:prstGeom prst="straightConnector1">
+            <a:avLst/>
+          </a:prstGeom>
+          <a:ln w="19050">
+            <a:tailEnd type="triangle"/>
+          </a:ln>
+        </p:spPr>
+        <p:style>
+          <a:lnRef idx="1">
+            <a:schemeClr val="dk1"/>
+          </a:lnRef>
+          <a:fillRef idx="0">
+            <a:schemeClr val="dk1"/>
+          </a:fillRef>
+          <a:effectRef idx="0">
+            <a:schemeClr val="dk1"/>
+          </a:effectRef>
+          <a:fontRef idx="minor">
+            <a:schemeClr val="tx1"/>
+          </a:fontRef>
+        </p:style>
+      </p:cxnSp>
+      <p:cxnSp>
+        <p:nvCxnSpPr>
+          <p:cNvPr id="11" name="직선 화살표 연결선 10">
+            <a:extLst>
+              <a:ext uri="{FF2B5EF4-FFF2-40B4-BE49-F238E27FC236}">
+                <a16:creationId xmlns:a16="http://schemas.microsoft.com/office/drawing/2014/main" id="{4EADFBFD-5A30-1BB2-A31D-F2F4630CAF85}"/>
+              </a:ext>
+            </a:extLst>
+          </p:cNvPr>
+          <p:cNvCxnSpPr>
+            <a:cxnSpLocks/>
+            <a:stCxn id="29" idx="3"/>
+            <a:endCxn id="16" idx="1"/>
+          </p:cNvCxnSpPr>
+          <p:nvPr/>
+        </p:nvCxnSpPr>
+        <p:spPr>
+          <a:xfrm flipV="1">
+            <a:off x="5672945" y="3183534"/>
+            <a:ext cx="454137" cy="2971"/>
+          </a:xfrm>
+          <a:prstGeom prst="straightConnector1">
+            <a:avLst/>
+          </a:prstGeom>
+          <a:ln w="19050">
+            <a:tailEnd type="triangle"/>
+          </a:ln>
+        </p:spPr>
+        <p:style>
+          <a:lnRef idx="1">
+            <a:schemeClr val="dk1"/>
+          </a:lnRef>
+          <a:fillRef idx="0">
+            <a:schemeClr val="dk1"/>
+          </a:fillRef>
+          <a:effectRef idx="0">
+            <a:schemeClr val="dk1"/>
+          </a:effectRef>
+          <a:fontRef idx="minor">
+            <a:schemeClr val="tx1"/>
+          </a:fontRef>
+        </p:style>
+      </p:cxnSp>
+      <p:sp>
+        <p:nvSpPr>
+          <p:cNvPr id="8" name="타원 7">
+            <a:extLst>
+              <a:ext uri="{FF2B5EF4-FFF2-40B4-BE49-F238E27FC236}">
+                <a16:creationId xmlns:a16="http://schemas.microsoft.com/office/drawing/2014/main" id="{4EB10E7C-656D-7A6C-0429-AA6B0E6036AE}"/>
+              </a:ext>
+            </a:extLst>
+          </p:cNvPr>
+          <p:cNvSpPr>
+            <a:spLocks noChangeAspect="1"/>
+          </p:cNvSpPr>
+          <p:nvPr/>
+        </p:nvSpPr>
+        <p:spPr>
+          <a:xfrm>
+            <a:off x="231595" y="3103103"/>
+            <a:ext cx="180000" cy="180000"/>
+          </a:xfrm>
+          <a:prstGeom prst="ellipse">
+            <a:avLst/>
+          </a:prstGeom>
+          <a:solidFill>
+            <a:schemeClr val="tx1"/>
+          </a:solidFill>
+          <a:ln>
+            <a:solidFill>
+              <a:schemeClr val="tx1"/>
+            </a:solidFill>
+          </a:ln>
+        </p:spPr>
+        <p:style>
+          <a:lnRef idx="2">
+            <a:schemeClr val="accent1">
+              <a:shade val="50000"/>
+            </a:schemeClr>
+          </a:lnRef>
+          <a:fillRef idx="1">
+            <a:schemeClr val="accent1"/>
+          </a:fillRef>
+          <a:effectRef idx="0">
+            <a:schemeClr val="accent1"/>
+          </a:effectRef>
+          <a:fontRef idx="minor">
+            <a:schemeClr val="lt1"/>
+          </a:fontRef>
+        </p:style>
+        <p:txBody>
+          <a:bodyPr rtlCol="0" anchor="ctr"/>
+          <a:lstStyle/>
+          <a:p>
+            <a:pPr algn="ctr"/>
+            <a:endParaRPr kumimoji="1" lang="ko-Kore-KR" altLang="en-US" sz="1600" dirty="0">
+              <a:solidFill>
+                <a:srgbClr val="FD997D"/>
+              </a:solidFill>
+            </a:endParaRPr>
+          </a:p>
+        </p:txBody>
+      </p:sp>
+      <p:cxnSp>
+        <p:nvCxnSpPr>
+          <p:cNvPr id="12" name="직선 화살표 연결선 11">
+            <a:extLst>
+              <a:ext uri="{FF2B5EF4-FFF2-40B4-BE49-F238E27FC236}">
+                <a16:creationId xmlns:a16="http://schemas.microsoft.com/office/drawing/2014/main" id="{17E4142C-636C-9B55-CFBF-D062B19AA63E}"/>
+              </a:ext>
+            </a:extLst>
+          </p:cNvPr>
+          <p:cNvCxnSpPr>
+            <a:cxnSpLocks/>
+            <a:stCxn id="8" idx="6"/>
+            <a:endCxn id="2" idx="1"/>
+          </p:cNvCxnSpPr>
+          <p:nvPr/>
+        </p:nvCxnSpPr>
+        <p:spPr>
+          <a:xfrm flipV="1">
+            <a:off x="411595" y="3190647"/>
+            <a:ext cx="541252" cy="0"/>
+          </a:xfrm>
+          <a:prstGeom prst="straightConnector1">
+            <a:avLst/>
+          </a:prstGeom>
+          <a:ln w="19050">
+            <a:tailEnd type="triangle"/>
+          </a:ln>
+        </p:spPr>
+        <p:style>
+          <a:lnRef idx="1">
+            <a:schemeClr val="dk1"/>
+          </a:lnRef>
+          <a:fillRef idx="0">
+            <a:schemeClr val="dk1"/>
+          </a:fillRef>
+          <a:effectRef idx="0">
+            <a:schemeClr val="dk1"/>
+          </a:effectRef>
+          <a:fontRef idx="minor">
+            <a:schemeClr val="tx1"/>
+          </a:fontRef>
+        </p:style>
+      </p:cxnSp>
+      <p:sp>
+        <p:nvSpPr>
+          <p:cNvPr id="16" name="모서리가 둥근 직사각형 15">
+            <a:extLst>
+              <a:ext uri="{FF2B5EF4-FFF2-40B4-BE49-F238E27FC236}">
+                <a16:creationId xmlns:a16="http://schemas.microsoft.com/office/drawing/2014/main" id="{CD65A124-E008-3CCC-027B-66002174C56C}"/>
+              </a:ext>
+            </a:extLst>
+          </p:cNvPr>
+          <p:cNvSpPr/>
+          <p:nvPr/>
+        </p:nvSpPr>
+        <p:spPr>
+          <a:xfrm>
+            <a:off x="6127082" y="2854937"/>
+            <a:ext cx="1723155" cy="657194"/>
+          </a:xfrm>
+          <a:prstGeom prst="roundRect">
+            <a:avLst/>
+          </a:prstGeom>
+          <a:noFill/>
+          <a:ln>
+            <a:solidFill>
+              <a:schemeClr val="tx1"/>
+            </a:solidFill>
+          </a:ln>
+        </p:spPr>
+        <p:style>
+          <a:lnRef idx="2">
+            <a:schemeClr val="accent1">
+              <a:shade val="50000"/>
+            </a:schemeClr>
+          </a:lnRef>
+          <a:fillRef idx="1">
+            <a:schemeClr val="accent1"/>
+          </a:fillRef>
+          <a:effectRef idx="0">
+            <a:schemeClr val="accent1"/>
+          </a:effectRef>
+          <a:fontRef idx="minor">
+            <a:schemeClr val="lt1"/>
+          </a:fontRef>
+        </p:style>
+        <p:txBody>
+          <a:bodyPr rtlCol="0" anchor="ctr"/>
+          <a:lstStyle/>
+          <a:p>
+            <a:pPr algn="ctr"/>
+            <a:r>
+              <a:rPr kumimoji="1" lang="en-US" altLang="ko-KR" sz="1400" dirty="0">
+                <a:solidFill>
+                  <a:srgbClr val="FD997D"/>
+                </a:solidFill>
+                <a:latin typeface="Malgun Gothic" panose="020B0503020000020004" pitchFamily="34" charset="-127"/>
+                <a:ea typeface="Malgun Gothic" panose="020B0503020000020004" pitchFamily="34" charset="-127"/>
+              </a:rPr>
+              <a:t>DB</a:t>
+            </a:r>
+            <a:r>
+              <a:rPr kumimoji="1" lang="ko-KR" altLang="en-US" sz="1400" dirty="0">
+                <a:solidFill>
+                  <a:srgbClr val="FD997D"/>
+                </a:solidFill>
+                <a:latin typeface="Malgun Gothic" panose="020B0503020000020004" pitchFamily="34" charset="-127"/>
+                <a:ea typeface="Malgun Gothic" panose="020B0503020000020004" pitchFamily="34" charset="-127"/>
+              </a:rPr>
+              <a:t>에 존재하는 다이어리를 </a:t>
+            </a:r>
+            <a:r>
+              <a:rPr kumimoji="1" lang="en-US" altLang="ko-KR" sz="1400" dirty="0" err="1">
+                <a:solidFill>
+                  <a:srgbClr val="FD997D"/>
+                </a:solidFill>
+                <a:latin typeface="Malgun Gothic" panose="020B0503020000020004" pitchFamily="34" charset="-127"/>
+                <a:ea typeface="Malgun Gothic" panose="020B0503020000020004" pitchFamily="34" charset="-127"/>
+              </a:rPr>
+              <a:t>TableView</a:t>
+            </a:r>
+            <a:r>
+              <a:rPr kumimoji="1" lang="ko-KR" altLang="en-US" sz="1400" dirty="0">
+                <a:solidFill>
+                  <a:srgbClr val="FD997D"/>
+                </a:solidFill>
+                <a:latin typeface="Malgun Gothic" panose="020B0503020000020004" pitchFamily="34" charset="-127"/>
+                <a:ea typeface="Malgun Gothic" panose="020B0503020000020004" pitchFamily="34" charset="-127"/>
+              </a:rPr>
+              <a:t>에 나열</a:t>
+            </a:r>
+            <a:endParaRPr kumimoji="1" lang="ko-Kore-KR" altLang="en-US" sz="1400" dirty="0">
+              <a:solidFill>
+                <a:srgbClr val="FD997D"/>
+              </a:solidFill>
+              <a:latin typeface="Malgun Gothic" panose="020B0503020000020004" pitchFamily="34" charset="-127"/>
+              <a:ea typeface="Malgun Gothic" panose="020B0503020000020004" pitchFamily="34" charset="-127"/>
+            </a:endParaRPr>
+          </a:p>
+        </p:txBody>
+      </p:sp>
       <p:grpSp>
         <p:nvGrpSpPr>
-          <p:cNvPr id="33" name="그룹 32">
+          <p:cNvPr id="13" name="그룹 12">
             <a:extLst>
               <a:ext uri="{FF2B5EF4-FFF2-40B4-BE49-F238E27FC236}">
-                <a16:creationId xmlns:a16="http://schemas.microsoft.com/office/drawing/2014/main" id="{CFE7CDCD-B738-BBDA-5888-6C32E4C79907}"/>
+                <a16:creationId xmlns:a16="http://schemas.microsoft.com/office/drawing/2014/main" id="{CE8FB19E-AF6C-6C54-4902-418FFFB6752C}"/>
               </a:ext>
             </a:extLst>
           </p:cNvPr>
@@ -10811,30 +10055,32 @@
         </p:nvGrpSpPr>
         <p:grpSpPr>
           <a:xfrm>
-            <a:off x="231595" y="2342636"/>
-            <a:ext cx="11728809" cy="2172727"/>
-            <a:chOff x="240307" y="2317988"/>
-            <a:chExt cx="11728809" cy="2172727"/>
+            <a:off x="11600404" y="3000082"/>
+            <a:ext cx="360000" cy="360000"/>
+            <a:chOff x="10548998" y="2975434"/>
+            <a:chExt cx="360000" cy="360000"/>
           </a:xfrm>
         </p:grpSpPr>
         <p:sp>
           <p:nvSpPr>
-            <p:cNvPr id="2" name="모서리가 둥근 직사각형 1">
+            <p:cNvPr id="21" name="타원 20">
               <a:extLst>
                 <a:ext uri="{FF2B5EF4-FFF2-40B4-BE49-F238E27FC236}">
-                  <a16:creationId xmlns:a16="http://schemas.microsoft.com/office/drawing/2014/main" id="{A5251BAF-1CDC-07CC-0204-4EBF70A9D58F}"/>
+                  <a16:creationId xmlns:a16="http://schemas.microsoft.com/office/drawing/2014/main" id="{7292B075-E970-F23D-A086-8B8946A0DFB4}"/>
                 </a:ext>
               </a:extLst>
             </p:cNvPr>
-            <p:cNvSpPr/>
+            <p:cNvSpPr>
+              <a:spLocks noChangeAspect="1"/>
+            </p:cNvSpPr>
             <p:nvPr/>
           </p:nvSpPr>
           <p:spPr>
             <a:xfrm>
-              <a:off x="961559" y="2905050"/>
-              <a:ext cx="1552755" cy="521898"/>
+              <a:off x="10548998" y="2975434"/>
+              <a:ext cx="360000" cy="360000"/>
             </a:xfrm>
-            <a:prstGeom prst="roundRect">
+            <a:prstGeom prst="ellipse">
               <a:avLst/>
             </a:prstGeom>
             <a:noFill/>
@@ -10865,196 +10111,20 @@
             <a:lstStyle/>
             <a:p>
               <a:pPr algn="ctr"/>
-              <a:r>
-                <a:rPr kumimoji="1" lang="ko-Kore-KR" altLang="en-US" sz="1400" dirty="0">
-                  <a:solidFill>
-                    <a:srgbClr val="FD997D"/>
-                  </a:solidFill>
-                  <a:latin typeface="Malgun Gothic" panose="020B0503020000020004" pitchFamily="34" charset="-127"/>
-                  <a:ea typeface="Malgun Gothic" panose="020B0503020000020004" pitchFamily="34" charset="-127"/>
-                </a:rPr>
-                <a:t>다이어리</a:t>
-              </a:r>
-              <a:r>
-                <a:rPr kumimoji="1" lang="ko-KR" altLang="en-US" sz="1400" dirty="0">
-                  <a:solidFill>
-                    <a:srgbClr val="FD997D"/>
-                  </a:solidFill>
-                  <a:latin typeface="Malgun Gothic" panose="020B0503020000020004" pitchFamily="34" charset="-127"/>
-                  <a:ea typeface="Malgun Gothic" panose="020B0503020000020004" pitchFamily="34" charset="-127"/>
-                </a:rPr>
-                <a:t> 검색버튼 클릭</a:t>
-              </a:r>
-              <a:endParaRPr kumimoji="1" lang="ko-Kore-KR" altLang="en-US" sz="1400" dirty="0">
+              <a:endParaRPr kumimoji="1" lang="ko-Kore-KR" altLang="en-US" sz="1600" dirty="0">
                 <a:solidFill>
                   <a:srgbClr val="FD997D"/>
                 </a:solidFill>
-                <a:latin typeface="Malgun Gothic" panose="020B0503020000020004" pitchFamily="34" charset="-127"/>
-                <a:ea typeface="Malgun Gothic" panose="020B0503020000020004" pitchFamily="34" charset="-127"/>
               </a:endParaRPr>
             </a:p>
           </p:txBody>
         </p:sp>
         <p:sp>
           <p:nvSpPr>
-            <p:cNvPr id="9" name="모서리가 둥근 직사각형 8">
+            <p:cNvPr id="22" name="타원 21">
               <a:extLst>
                 <a:ext uri="{FF2B5EF4-FFF2-40B4-BE49-F238E27FC236}">
-                  <a16:creationId xmlns:a16="http://schemas.microsoft.com/office/drawing/2014/main" id="{1CB744A0-2892-D6C3-4271-4EA46293F5F2}"/>
-                </a:ext>
-              </a:extLst>
-            </p:cNvPr>
-            <p:cNvSpPr/>
-            <p:nvPr/>
-          </p:nvSpPr>
-          <p:spPr>
-            <a:xfrm>
-              <a:off x="3053468" y="2904622"/>
-              <a:ext cx="1552755" cy="521898"/>
-            </a:xfrm>
-            <a:prstGeom prst="roundRect">
-              <a:avLst/>
-            </a:prstGeom>
-            <a:noFill/>
-            <a:ln>
-              <a:solidFill>
-                <a:schemeClr val="tx1"/>
-              </a:solidFill>
-            </a:ln>
-          </p:spPr>
-          <p:style>
-            <a:lnRef idx="2">
-              <a:schemeClr val="accent1">
-                <a:shade val="50000"/>
-              </a:schemeClr>
-            </a:lnRef>
-            <a:fillRef idx="1">
-              <a:schemeClr val="accent1"/>
-            </a:fillRef>
-            <a:effectRef idx="0">
-              <a:schemeClr val="accent1"/>
-            </a:effectRef>
-            <a:fontRef idx="minor">
-              <a:schemeClr val="lt1"/>
-            </a:fontRef>
-          </p:style>
-          <p:txBody>
-            <a:bodyPr rtlCol="0" anchor="ctr"/>
-            <a:lstStyle/>
-            <a:p>
-              <a:pPr algn="ctr"/>
-              <a:r>
-                <a:rPr kumimoji="1" lang="ko-KR" altLang="en-US" sz="1400" dirty="0">
-                  <a:solidFill>
-                    <a:srgbClr val="FD997D"/>
-                  </a:solidFill>
-                  <a:latin typeface="Malgun Gothic" panose="020B0503020000020004" pitchFamily="34" charset="-127"/>
-                  <a:ea typeface="Malgun Gothic" panose="020B0503020000020004" pitchFamily="34" charset="-127"/>
-                </a:rPr>
-                <a:t>검색창에 해시태그 입력</a:t>
-              </a:r>
-              <a:endParaRPr kumimoji="1" lang="ko-Kore-KR" altLang="en-US" sz="1400" dirty="0">
-                <a:solidFill>
-                  <a:srgbClr val="FD997D"/>
-                </a:solidFill>
-                <a:latin typeface="Malgun Gothic" panose="020B0503020000020004" pitchFamily="34" charset="-127"/>
-                <a:ea typeface="Malgun Gothic" panose="020B0503020000020004" pitchFamily="34" charset="-127"/>
-              </a:endParaRPr>
-            </a:p>
-          </p:txBody>
-        </p:sp>
-        <p:cxnSp>
-          <p:nvCxnSpPr>
-            <p:cNvPr id="10" name="직선 화살표 연결선 9">
-              <a:extLst>
-                <a:ext uri="{FF2B5EF4-FFF2-40B4-BE49-F238E27FC236}">
-                  <a16:creationId xmlns:a16="http://schemas.microsoft.com/office/drawing/2014/main" id="{6AA40A02-F47D-6C1E-28BC-221B12CDCC1B}"/>
-                </a:ext>
-              </a:extLst>
-            </p:cNvPr>
-            <p:cNvCxnSpPr>
-              <a:cxnSpLocks/>
-              <a:stCxn id="2" idx="3"/>
-              <a:endCxn id="9" idx="1"/>
-            </p:cNvCxnSpPr>
-            <p:nvPr/>
-          </p:nvCxnSpPr>
-          <p:spPr>
-            <a:xfrm flipV="1">
-              <a:off x="2514314" y="3165571"/>
-              <a:ext cx="539154" cy="428"/>
-            </a:xfrm>
-            <a:prstGeom prst="straightConnector1">
-              <a:avLst/>
-            </a:prstGeom>
-            <a:ln w="19050">
-              <a:tailEnd type="triangle"/>
-            </a:ln>
-          </p:spPr>
-          <p:style>
-            <a:lnRef idx="1">
-              <a:schemeClr val="dk1"/>
-            </a:lnRef>
-            <a:fillRef idx="0">
-              <a:schemeClr val="dk1"/>
-            </a:fillRef>
-            <a:effectRef idx="0">
-              <a:schemeClr val="dk1"/>
-            </a:effectRef>
-            <a:fontRef idx="minor">
-              <a:schemeClr val="tx1"/>
-            </a:fontRef>
-          </p:style>
-        </p:cxnSp>
-        <p:cxnSp>
-          <p:nvCxnSpPr>
-            <p:cNvPr id="11" name="직선 화살표 연결선 10">
-              <a:extLst>
-                <a:ext uri="{FF2B5EF4-FFF2-40B4-BE49-F238E27FC236}">
-                  <a16:creationId xmlns:a16="http://schemas.microsoft.com/office/drawing/2014/main" id="{4EADFBFD-5A30-1BB2-A31D-F2F4630CAF85}"/>
-                </a:ext>
-              </a:extLst>
-            </p:cNvPr>
-            <p:cNvCxnSpPr>
-              <a:cxnSpLocks/>
-              <a:stCxn id="29" idx="3"/>
-              <a:endCxn id="16" idx="1"/>
-            </p:cNvCxnSpPr>
-            <p:nvPr/>
-          </p:nvCxnSpPr>
-          <p:spPr>
-            <a:xfrm flipV="1">
-              <a:off x="5681657" y="3158886"/>
-              <a:ext cx="454137" cy="2971"/>
-            </a:xfrm>
-            <a:prstGeom prst="straightConnector1">
-              <a:avLst/>
-            </a:prstGeom>
-            <a:ln w="19050">
-              <a:tailEnd type="triangle"/>
-            </a:ln>
-          </p:spPr>
-          <p:style>
-            <a:lnRef idx="1">
-              <a:schemeClr val="dk1"/>
-            </a:lnRef>
-            <a:fillRef idx="0">
-              <a:schemeClr val="dk1"/>
-            </a:fillRef>
-            <a:effectRef idx="0">
-              <a:schemeClr val="dk1"/>
-            </a:effectRef>
-            <a:fontRef idx="minor">
-              <a:schemeClr val="tx1"/>
-            </a:fontRef>
-          </p:style>
-        </p:cxnSp>
-        <p:sp>
-          <p:nvSpPr>
-            <p:cNvPr id="8" name="타원 7">
-              <a:extLst>
-                <a:ext uri="{FF2B5EF4-FFF2-40B4-BE49-F238E27FC236}">
-                  <a16:creationId xmlns:a16="http://schemas.microsoft.com/office/drawing/2014/main" id="{4EB10E7C-656D-7A6C-0429-AA6B0E6036AE}"/>
+                  <a16:creationId xmlns:a16="http://schemas.microsoft.com/office/drawing/2014/main" id="{1EFC17BF-AB88-1401-B020-8A2D23F280C9}"/>
                 </a:ext>
               </a:extLst>
             </p:cNvPr>
@@ -11065,8 +10135,8 @@
           </p:nvSpPr>
           <p:spPr>
             <a:xfrm>
-              <a:off x="240307" y="3078455"/>
-              <a:ext cx="180000" cy="180000"/>
+              <a:off x="10620998" y="3047434"/>
+              <a:ext cx="216000" cy="216000"/>
             </a:xfrm>
             <a:prstGeom prst="ellipse">
               <a:avLst/>
@@ -11109,1179 +10179,871 @@
             </a:p>
           </p:txBody>
         </p:sp>
-        <p:cxnSp>
-          <p:nvCxnSpPr>
-            <p:cNvPr id="12" name="직선 화살표 연결선 11">
-              <a:extLst>
-                <a:ext uri="{FF2B5EF4-FFF2-40B4-BE49-F238E27FC236}">
-                  <a16:creationId xmlns:a16="http://schemas.microsoft.com/office/drawing/2014/main" id="{17E4142C-636C-9B55-CFBF-D062B19AA63E}"/>
-                </a:ext>
-              </a:extLst>
-            </p:cNvPr>
-            <p:cNvCxnSpPr>
-              <a:cxnSpLocks/>
-              <a:stCxn id="8" idx="6"/>
-              <a:endCxn id="2" idx="1"/>
-            </p:cNvCxnSpPr>
-            <p:nvPr/>
-          </p:nvCxnSpPr>
-          <p:spPr>
-            <a:xfrm flipV="1">
-              <a:off x="420307" y="3165999"/>
-              <a:ext cx="541252" cy="0"/>
-            </a:xfrm>
-            <a:prstGeom prst="straightConnector1">
-              <a:avLst/>
-            </a:prstGeom>
-            <a:ln w="19050">
-              <a:tailEnd type="triangle"/>
-            </a:ln>
-          </p:spPr>
-          <p:style>
-            <a:lnRef idx="1">
-              <a:schemeClr val="dk1"/>
-            </a:lnRef>
-            <a:fillRef idx="0">
-              <a:schemeClr val="dk1"/>
-            </a:fillRef>
-            <a:effectRef idx="0">
-              <a:schemeClr val="dk1"/>
-            </a:effectRef>
-            <a:fontRef idx="minor">
+      </p:grpSp>
+      <p:cxnSp>
+        <p:nvCxnSpPr>
+          <p:cNvPr id="26" name="직선 화살표 연결선 25">
+            <a:extLst>
+              <a:ext uri="{FF2B5EF4-FFF2-40B4-BE49-F238E27FC236}">
+                <a16:creationId xmlns:a16="http://schemas.microsoft.com/office/drawing/2014/main" id="{11F3F031-42F9-4602-4002-02FEA6363BBC}"/>
+              </a:ext>
+            </a:extLst>
+          </p:cNvPr>
+          <p:cNvCxnSpPr>
+            <a:cxnSpLocks/>
+            <a:stCxn id="9" idx="3"/>
+            <a:endCxn id="29" idx="1"/>
+          </p:cNvCxnSpPr>
+          <p:nvPr/>
+        </p:nvCxnSpPr>
+        <p:spPr>
+          <a:xfrm flipV="1">
+            <a:off x="4597511" y="3186505"/>
+            <a:ext cx="535434" cy="3714"/>
+          </a:xfrm>
+          <a:prstGeom prst="straightConnector1">
+            <a:avLst/>
+          </a:prstGeom>
+          <a:ln w="19050">
+            <a:tailEnd type="triangle"/>
+          </a:ln>
+        </p:spPr>
+        <p:style>
+          <a:lnRef idx="1">
+            <a:schemeClr val="dk1"/>
+          </a:lnRef>
+          <a:fillRef idx="0">
+            <a:schemeClr val="dk1"/>
+          </a:fillRef>
+          <a:effectRef idx="0">
+            <a:schemeClr val="dk1"/>
+          </a:effectRef>
+          <a:fontRef idx="minor">
+            <a:schemeClr val="tx1"/>
+          </a:fontRef>
+        </p:style>
+      </p:cxnSp>
+      <p:sp>
+        <p:nvSpPr>
+          <p:cNvPr id="29" name="다이아몬드 28">
+            <a:extLst>
+              <a:ext uri="{FF2B5EF4-FFF2-40B4-BE49-F238E27FC236}">
+                <a16:creationId xmlns:a16="http://schemas.microsoft.com/office/drawing/2014/main" id="{58D6FACC-9F8D-E007-6348-98131767BEA8}"/>
+              </a:ext>
+            </a:extLst>
+          </p:cNvPr>
+          <p:cNvSpPr>
+            <a:spLocks noChangeAspect="1"/>
+          </p:cNvSpPr>
+          <p:nvPr/>
+        </p:nvSpPr>
+        <p:spPr>
+          <a:xfrm>
+            <a:off x="5132945" y="2916505"/>
+            <a:ext cx="540000" cy="540000"/>
+          </a:xfrm>
+          <a:prstGeom prst="diamond">
+            <a:avLst/>
+          </a:prstGeom>
+          <a:noFill/>
+          <a:ln>
+            <a:solidFill>
               <a:schemeClr val="tx1"/>
-            </a:fontRef>
-          </p:style>
-        </p:cxnSp>
-        <p:sp>
-          <p:nvSpPr>
-            <p:cNvPr id="16" name="모서리가 둥근 직사각형 15">
-              <a:extLst>
-                <a:ext uri="{FF2B5EF4-FFF2-40B4-BE49-F238E27FC236}">
-                  <a16:creationId xmlns:a16="http://schemas.microsoft.com/office/drawing/2014/main" id="{CD65A124-E008-3CCC-027B-66002174C56C}"/>
-                </a:ext>
-              </a:extLst>
-            </p:cNvPr>
-            <p:cNvSpPr/>
-            <p:nvPr/>
-          </p:nvSpPr>
-          <p:spPr>
-            <a:xfrm>
-              <a:off x="6135794" y="2830289"/>
-              <a:ext cx="1723155" cy="657194"/>
-            </a:xfrm>
-            <a:prstGeom prst="roundRect">
-              <a:avLst/>
-            </a:prstGeom>
-            <a:noFill/>
-            <a:ln>
+            </a:solidFill>
+          </a:ln>
+        </p:spPr>
+        <p:style>
+          <a:lnRef idx="2">
+            <a:schemeClr val="accent1">
+              <a:shade val="50000"/>
+            </a:schemeClr>
+          </a:lnRef>
+          <a:fillRef idx="1">
+            <a:schemeClr val="accent1"/>
+          </a:fillRef>
+          <a:effectRef idx="0">
+            <a:schemeClr val="accent1"/>
+          </a:effectRef>
+          <a:fontRef idx="minor">
+            <a:schemeClr val="lt1"/>
+          </a:fontRef>
+        </p:style>
+        <p:txBody>
+          <a:bodyPr rtlCol="0" anchor="ctr"/>
+          <a:lstStyle/>
+          <a:p>
+            <a:pPr algn="ctr"/>
+            <a:endParaRPr kumimoji="1" lang="ko-Kore-KR" altLang="en-US"/>
+          </a:p>
+        </p:txBody>
+      </p:sp>
+      <p:sp>
+        <p:nvSpPr>
+          <p:cNvPr id="31" name="TextBox 30">
+            <a:extLst>
+              <a:ext uri="{FF2B5EF4-FFF2-40B4-BE49-F238E27FC236}">
+                <a16:creationId xmlns:a16="http://schemas.microsoft.com/office/drawing/2014/main" id="{772BB182-D38E-2453-BEC8-BD0131A6A46A}"/>
+              </a:ext>
+            </a:extLst>
+          </p:cNvPr>
+          <p:cNvSpPr txBox="1"/>
+          <p:nvPr/>
+        </p:nvSpPr>
+        <p:spPr>
+          <a:xfrm>
+            <a:off x="4510709" y="2363122"/>
+            <a:ext cx="1661032" cy="523220"/>
+          </a:xfrm>
+          <a:prstGeom prst="rect">
+            <a:avLst/>
+          </a:prstGeom>
+          <a:noFill/>
+        </p:spPr>
+        <p:txBody>
+          <a:bodyPr wrap="none" rtlCol="0">
+            <a:spAutoFit/>
+          </a:bodyPr>
+          <a:lstStyle/>
+          <a:p>
+            <a:r>
+              <a:rPr kumimoji="1" lang="ko-KR" altLang="en-US" sz="1400" dirty="0">
+                <a:solidFill>
+                  <a:srgbClr val="FD997D"/>
+                </a:solidFill>
+              </a:rPr>
+              <a:t>입력한 해시태그가</a:t>
+            </a:r>
+            <a:endParaRPr kumimoji="1" lang="en-US" altLang="ko-KR" sz="1400" dirty="0">
               <a:solidFill>
-                <a:schemeClr val="tx1"/>
+                <a:srgbClr val="FD997D"/>
               </a:solidFill>
-            </a:ln>
-          </p:spPr>
-          <p:style>
-            <a:lnRef idx="2">
-              <a:schemeClr val="accent1">
-                <a:shade val="50000"/>
-              </a:schemeClr>
-            </a:lnRef>
-            <a:fillRef idx="1">
-              <a:schemeClr val="accent1"/>
-            </a:fillRef>
-            <a:effectRef idx="0">
-              <a:schemeClr val="accent1"/>
-            </a:effectRef>
-            <a:fontRef idx="minor">
-              <a:schemeClr val="lt1"/>
-            </a:fontRef>
-          </p:style>
-          <p:txBody>
-            <a:bodyPr rtlCol="0" anchor="ctr"/>
-            <a:lstStyle/>
-            <a:p>
-              <a:pPr algn="ctr"/>
-              <a:r>
-                <a:rPr kumimoji="1" lang="en-US" altLang="ko-KR" sz="1400" dirty="0">
-                  <a:solidFill>
-                    <a:srgbClr val="FD997D"/>
-                  </a:solidFill>
-                  <a:latin typeface="Malgun Gothic" panose="020B0503020000020004" pitchFamily="34" charset="-127"/>
-                  <a:ea typeface="Malgun Gothic" panose="020B0503020000020004" pitchFamily="34" charset="-127"/>
-                </a:rPr>
-                <a:t>DB</a:t>
-              </a:r>
-              <a:r>
-                <a:rPr kumimoji="1" lang="ko-KR" altLang="en-US" sz="1400" dirty="0">
-                  <a:solidFill>
-                    <a:srgbClr val="FD997D"/>
-                  </a:solidFill>
-                  <a:latin typeface="Malgun Gothic" panose="020B0503020000020004" pitchFamily="34" charset="-127"/>
-                  <a:ea typeface="Malgun Gothic" panose="020B0503020000020004" pitchFamily="34" charset="-127"/>
-                </a:rPr>
-                <a:t>에 존재하는 다이어리를 </a:t>
-              </a:r>
-              <a:r>
-                <a:rPr kumimoji="1" lang="en-US" altLang="ko-KR" sz="1400" dirty="0" err="1">
-                  <a:solidFill>
-                    <a:srgbClr val="FD997D"/>
-                  </a:solidFill>
-                  <a:latin typeface="Malgun Gothic" panose="020B0503020000020004" pitchFamily="34" charset="-127"/>
-                  <a:ea typeface="Malgun Gothic" panose="020B0503020000020004" pitchFamily="34" charset="-127"/>
-                </a:rPr>
-                <a:t>TableView</a:t>
-              </a:r>
-              <a:r>
-                <a:rPr kumimoji="1" lang="ko-KR" altLang="en-US" sz="1400" dirty="0">
-                  <a:solidFill>
-                    <a:srgbClr val="FD997D"/>
-                  </a:solidFill>
-                  <a:latin typeface="Malgun Gothic" panose="020B0503020000020004" pitchFamily="34" charset="-127"/>
-                  <a:ea typeface="Malgun Gothic" panose="020B0503020000020004" pitchFamily="34" charset="-127"/>
-                </a:rPr>
-                <a:t>에 나열</a:t>
-              </a:r>
-              <a:endParaRPr kumimoji="1" lang="ko-Kore-KR" altLang="en-US" sz="1400" dirty="0">
+            </a:endParaRPr>
+          </a:p>
+          <a:p>
+            <a:r>
+              <a:rPr kumimoji="1" lang="en-US" altLang="ko-KR" sz="1400" dirty="0">
+                <a:solidFill>
+                  <a:srgbClr val="FD997D"/>
+                </a:solidFill>
+              </a:rPr>
+              <a:t>DB</a:t>
+            </a:r>
+            <a:r>
+              <a:rPr kumimoji="1" lang="ko-KR" altLang="en-US" sz="1400" dirty="0">
+                <a:solidFill>
+                  <a:srgbClr val="FD997D"/>
+                </a:solidFill>
+              </a:rPr>
+              <a:t>에 존재하는가</a:t>
+            </a:r>
+            <a:r>
+              <a:rPr kumimoji="1" lang="en-US" altLang="ko-KR" sz="1400" dirty="0">
+                <a:solidFill>
+                  <a:srgbClr val="FD997D"/>
+                </a:solidFill>
+              </a:rPr>
+              <a:t>?</a:t>
+            </a:r>
+          </a:p>
+        </p:txBody>
+      </p:sp>
+      <p:sp>
+        <p:nvSpPr>
+          <p:cNvPr id="37" name="TextBox 36">
+            <a:extLst>
+              <a:ext uri="{FF2B5EF4-FFF2-40B4-BE49-F238E27FC236}">
+                <a16:creationId xmlns:a16="http://schemas.microsoft.com/office/drawing/2014/main" id="{571795A3-82D0-7622-60AC-8DB0D0F60F34}"/>
+              </a:ext>
+            </a:extLst>
+          </p:cNvPr>
+          <p:cNvSpPr txBox="1"/>
+          <p:nvPr/>
+        </p:nvSpPr>
+        <p:spPr>
+          <a:xfrm>
+            <a:off x="5687385" y="3184407"/>
+            <a:ext cx="389594" cy="276999"/>
+          </a:xfrm>
+          <a:prstGeom prst="rect">
+            <a:avLst/>
+          </a:prstGeom>
+          <a:noFill/>
+        </p:spPr>
+        <p:txBody>
+          <a:bodyPr wrap="none" rtlCol="0">
+            <a:spAutoFit/>
+          </a:bodyPr>
+          <a:lstStyle/>
+          <a:p>
+            <a:r>
+              <a:rPr kumimoji="1" lang="en-US" altLang="ko-Kore-KR" sz="1200" dirty="0"/>
+              <a:t>yes</a:t>
+            </a:r>
+            <a:endParaRPr kumimoji="1" lang="ko-Kore-KR" altLang="en-US" sz="1200" dirty="0"/>
+          </a:p>
+        </p:txBody>
+      </p:sp>
+      <p:cxnSp>
+        <p:nvCxnSpPr>
+          <p:cNvPr id="38" name="직선 화살표 연결선 37">
+            <a:extLst>
+              <a:ext uri="{FF2B5EF4-FFF2-40B4-BE49-F238E27FC236}">
+                <a16:creationId xmlns:a16="http://schemas.microsoft.com/office/drawing/2014/main" id="{B28AA7A9-5280-17E1-1CE4-48CEE4D6C230}"/>
+              </a:ext>
+            </a:extLst>
+          </p:cNvPr>
+          <p:cNvCxnSpPr>
+            <a:cxnSpLocks/>
+            <a:stCxn id="29" idx="2"/>
+            <a:endCxn id="40" idx="0"/>
+          </p:cNvCxnSpPr>
+          <p:nvPr/>
+        </p:nvCxnSpPr>
+        <p:spPr>
+          <a:xfrm>
+            <a:off x="5402945" y="3456505"/>
+            <a:ext cx="3852" cy="536960"/>
+          </a:xfrm>
+          <a:prstGeom prst="straightConnector1">
+            <a:avLst/>
+          </a:prstGeom>
+          <a:ln w="19050">
+            <a:tailEnd type="triangle"/>
+          </a:ln>
+        </p:spPr>
+        <p:style>
+          <a:lnRef idx="1">
+            <a:schemeClr val="dk1"/>
+          </a:lnRef>
+          <a:fillRef idx="0">
+            <a:schemeClr val="dk1"/>
+          </a:fillRef>
+          <a:effectRef idx="0">
+            <a:schemeClr val="dk1"/>
+          </a:effectRef>
+          <a:fontRef idx="minor">
+            <a:schemeClr val="tx1"/>
+          </a:fontRef>
+        </p:style>
+      </p:cxnSp>
+      <p:sp>
+        <p:nvSpPr>
+          <p:cNvPr id="40" name="모서리가 둥근 직사각형 39">
+            <a:extLst>
+              <a:ext uri="{FF2B5EF4-FFF2-40B4-BE49-F238E27FC236}">
+                <a16:creationId xmlns:a16="http://schemas.microsoft.com/office/drawing/2014/main" id="{42F73CDA-A9B1-20E1-CDDA-428DCF1B41AA}"/>
+              </a:ext>
+            </a:extLst>
+          </p:cNvPr>
+          <p:cNvSpPr/>
+          <p:nvPr/>
+        </p:nvSpPr>
+        <p:spPr>
+          <a:xfrm>
+            <a:off x="4570675" y="3993465"/>
+            <a:ext cx="1672243" cy="521898"/>
+          </a:xfrm>
+          <a:prstGeom prst="roundRect">
+            <a:avLst/>
+          </a:prstGeom>
+          <a:noFill/>
+          <a:ln>
+            <a:solidFill>
+              <a:schemeClr val="tx1"/>
+            </a:solidFill>
+          </a:ln>
+        </p:spPr>
+        <p:style>
+          <a:lnRef idx="2">
+            <a:schemeClr val="accent1">
+              <a:shade val="50000"/>
+            </a:schemeClr>
+          </a:lnRef>
+          <a:fillRef idx="1">
+            <a:schemeClr val="accent1"/>
+          </a:fillRef>
+          <a:effectRef idx="0">
+            <a:schemeClr val="accent1"/>
+          </a:effectRef>
+          <a:fontRef idx="minor">
+            <a:schemeClr val="lt1"/>
+          </a:fontRef>
+        </p:style>
+        <p:txBody>
+          <a:bodyPr rtlCol="0" anchor="ctr"/>
+          <a:lstStyle/>
+          <a:p>
+            <a:pPr algn="ctr"/>
+            <a:r>
+              <a:rPr kumimoji="1" lang="ko-KR" altLang="en-US" sz="1400" dirty="0">
                 <a:solidFill>
                   <a:srgbClr val="FD997D"/>
                 </a:solidFill>
                 <a:latin typeface="Malgun Gothic" panose="020B0503020000020004" pitchFamily="34" charset="-127"/>
                 <a:ea typeface="Malgun Gothic" panose="020B0503020000020004" pitchFamily="34" charset="-127"/>
-              </a:endParaRPr>
-            </a:p>
-          </p:txBody>
-        </p:sp>
-        <p:grpSp>
-          <p:nvGrpSpPr>
-            <p:cNvPr id="13" name="그룹 12">
-              <a:extLst>
-                <a:ext uri="{FF2B5EF4-FFF2-40B4-BE49-F238E27FC236}">
-                  <a16:creationId xmlns:a16="http://schemas.microsoft.com/office/drawing/2014/main" id="{CE8FB19E-AF6C-6C54-4902-418FFFB6752C}"/>
-                </a:ext>
-              </a:extLst>
-            </p:cNvPr>
-            <p:cNvGrpSpPr/>
-            <p:nvPr/>
-          </p:nvGrpSpPr>
-          <p:grpSpPr>
-            <a:xfrm>
-              <a:off x="11609116" y="2975434"/>
-              <a:ext cx="360000" cy="360000"/>
-              <a:chOff x="10548998" y="2975434"/>
-              <a:chExt cx="360000" cy="360000"/>
-            </a:xfrm>
-          </p:grpSpPr>
-          <p:sp>
-            <p:nvSpPr>
-              <p:cNvPr id="21" name="타원 20">
-                <a:extLst>
-                  <a:ext uri="{FF2B5EF4-FFF2-40B4-BE49-F238E27FC236}">
-                    <a16:creationId xmlns:a16="http://schemas.microsoft.com/office/drawing/2014/main" id="{7292B075-E970-F23D-A086-8B8946A0DFB4}"/>
-                  </a:ext>
-                </a:extLst>
-              </p:cNvPr>
-              <p:cNvSpPr>
-                <a:spLocks noChangeAspect="1"/>
-              </p:cNvSpPr>
-              <p:nvPr/>
-            </p:nvSpPr>
-            <p:spPr>
-              <a:xfrm>
-                <a:off x="10548998" y="2975434"/>
-                <a:ext cx="360000" cy="360000"/>
-              </a:xfrm>
-              <a:prstGeom prst="ellipse">
-                <a:avLst/>
-              </a:prstGeom>
-              <a:noFill/>
-              <a:ln>
-                <a:solidFill>
-                  <a:schemeClr val="tx1"/>
-                </a:solidFill>
-              </a:ln>
-            </p:spPr>
-            <p:style>
-              <a:lnRef idx="2">
-                <a:schemeClr val="accent1">
-                  <a:shade val="50000"/>
-                </a:schemeClr>
-              </a:lnRef>
-              <a:fillRef idx="1">
-                <a:schemeClr val="accent1"/>
-              </a:fillRef>
-              <a:effectRef idx="0">
-                <a:schemeClr val="accent1"/>
-              </a:effectRef>
-              <a:fontRef idx="minor">
-                <a:schemeClr val="lt1"/>
-              </a:fontRef>
-            </p:style>
-            <p:txBody>
-              <a:bodyPr rtlCol="0" anchor="ctr"/>
-              <a:lstStyle/>
-              <a:p>
-                <a:pPr algn="ctr"/>
-                <a:endParaRPr kumimoji="1" lang="ko-Kore-KR" altLang="en-US" sz="1600" dirty="0">
-                  <a:solidFill>
-                    <a:srgbClr val="FD997D"/>
-                  </a:solidFill>
-                </a:endParaRPr>
-              </a:p>
-            </p:txBody>
-          </p:sp>
-          <p:sp>
-            <p:nvSpPr>
-              <p:cNvPr id="22" name="타원 21">
-                <a:extLst>
-                  <a:ext uri="{FF2B5EF4-FFF2-40B4-BE49-F238E27FC236}">
-                    <a16:creationId xmlns:a16="http://schemas.microsoft.com/office/drawing/2014/main" id="{1EFC17BF-AB88-1401-B020-8A2D23F280C9}"/>
-                  </a:ext>
-                </a:extLst>
-              </p:cNvPr>
-              <p:cNvSpPr>
-                <a:spLocks noChangeAspect="1"/>
-              </p:cNvSpPr>
-              <p:nvPr/>
-            </p:nvSpPr>
-            <p:spPr>
-              <a:xfrm>
-                <a:off x="10620998" y="3047434"/>
-                <a:ext cx="216000" cy="216000"/>
-              </a:xfrm>
-              <a:prstGeom prst="ellipse">
-                <a:avLst/>
-              </a:prstGeom>
+              </a:rPr>
+              <a:t>검색 결과 없음 알림</a:t>
+            </a:r>
+            <a:endParaRPr kumimoji="1" lang="en-US" altLang="ko-KR" sz="1400" dirty="0">
               <a:solidFill>
-                <a:schemeClr val="tx1"/>
+                <a:srgbClr val="FD997D"/>
               </a:solidFill>
-              <a:ln>
-                <a:solidFill>
-                  <a:schemeClr val="tx1"/>
-                </a:solidFill>
-              </a:ln>
-            </p:spPr>
-            <p:style>
-              <a:lnRef idx="2">
-                <a:schemeClr val="accent1">
-                  <a:shade val="50000"/>
-                </a:schemeClr>
-              </a:lnRef>
-              <a:fillRef idx="1">
-                <a:schemeClr val="accent1"/>
-              </a:fillRef>
-              <a:effectRef idx="0">
-                <a:schemeClr val="accent1"/>
-              </a:effectRef>
-              <a:fontRef idx="minor">
-                <a:schemeClr val="lt1"/>
-              </a:fontRef>
-            </p:style>
-            <p:txBody>
-              <a:bodyPr rtlCol="0" anchor="ctr"/>
-              <a:lstStyle/>
-              <a:p>
-                <a:pPr algn="ctr"/>
-                <a:endParaRPr kumimoji="1" lang="ko-Kore-KR" altLang="en-US" sz="1600" dirty="0">
-                  <a:solidFill>
-                    <a:srgbClr val="FD997D"/>
-                  </a:solidFill>
-                </a:endParaRPr>
-              </a:p>
-            </p:txBody>
-          </p:sp>
-        </p:grpSp>
-        <p:cxnSp>
-          <p:nvCxnSpPr>
-            <p:cNvPr id="26" name="직선 화살표 연결선 25">
-              <a:extLst>
-                <a:ext uri="{FF2B5EF4-FFF2-40B4-BE49-F238E27FC236}">
-                  <a16:creationId xmlns:a16="http://schemas.microsoft.com/office/drawing/2014/main" id="{11F3F031-42F9-4602-4002-02FEA6363BBC}"/>
-                </a:ext>
-              </a:extLst>
-            </p:cNvPr>
-            <p:cNvCxnSpPr>
-              <a:cxnSpLocks/>
-              <a:stCxn id="9" idx="3"/>
-              <a:endCxn id="29" idx="1"/>
-            </p:cNvCxnSpPr>
-            <p:nvPr/>
-          </p:nvCxnSpPr>
-          <p:spPr>
-            <a:xfrm flipV="1">
-              <a:off x="4606223" y="3161857"/>
-              <a:ext cx="535434" cy="3714"/>
-            </a:xfrm>
-            <a:prstGeom prst="straightConnector1">
-              <a:avLst/>
-            </a:prstGeom>
-            <a:ln w="19050">
-              <a:tailEnd type="triangle"/>
-            </a:ln>
-          </p:spPr>
-          <p:style>
-            <a:lnRef idx="1">
-              <a:schemeClr val="dk1"/>
-            </a:lnRef>
-            <a:fillRef idx="0">
-              <a:schemeClr val="dk1"/>
-            </a:fillRef>
-            <a:effectRef idx="0">
-              <a:schemeClr val="dk1"/>
-            </a:effectRef>
-            <a:fontRef idx="minor">
+              <a:latin typeface="Malgun Gothic" panose="020B0503020000020004" pitchFamily="34" charset="-127"/>
+              <a:ea typeface="Malgun Gothic" panose="020B0503020000020004" pitchFamily="34" charset="-127"/>
+            </a:endParaRPr>
+          </a:p>
+        </p:txBody>
+      </p:sp>
+      <p:cxnSp>
+        <p:nvCxnSpPr>
+          <p:cNvPr id="41" name="꺾인 연결선[E] 40">
+            <a:extLst>
+              <a:ext uri="{FF2B5EF4-FFF2-40B4-BE49-F238E27FC236}">
+                <a16:creationId xmlns:a16="http://schemas.microsoft.com/office/drawing/2014/main" id="{DB59E783-19C0-9294-AEFD-A5E74C06D002}"/>
+              </a:ext>
+            </a:extLst>
+          </p:cNvPr>
+          <p:cNvCxnSpPr>
+            <a:cxnSpLocks/>
+            <a:stCxn id="40" idx="1"/>
+            <a:endCxn id="9" idx="2"/>
+          </p:cNvCxnSpPr>
+          <p:nvPr/>
+        </p:nvCxnSpPr>
+        <p:spPr>
+          <a:xfrm rot="10800000">
+            <a:off x="3821135" y="3451168"/>
+            <a:ext cx="749541" cy="803246"/>
+          </a:xfrm>
+          <a:prstGeom prst="bentConnector2">
+            <a:avLst/>
+          </a:prstGeom>
+          <a:ln w="19050">
+            <a:solidFill>
               <a:schemeClr val="tx1"/>
-            </a:fontRef>
-          </p:style>
-        </p:cxnSp>
-        <p:sp>
-          <p:nvSpPr>
-            <p:cNvPr id="29" name="다이아몬드 28">
-              <a:extLst>
-                <a:ext uri="{FF2B5EF4-FFF2-40B4-BE49-F238E27FC236}">
-                  <a16:creationId xmlns:a16="http://schemas.microsoft.com/office/drawing/2014/main" id="{58D6FACC-9F8D-E007-6348-98131767BEA8}"/>
-                </a:ext>
-              </a:extLst>
-            </p:cNvPr>
-            <p:cNvSpPr>
-              <a:spLocks noChangeAspect="1"/>
-            </p:cNvSpPr>
-            <p:nvPr/>
-          </p:nvSpPr>
-          <p:spPr>
-            <a:xfrm>
-              <a:off x="5141657" y="2891857"/>
-              <a:ext cx="540000" cy="540000"/>
-            </a:xfrm>
-            <a:prstGeom prst="diamond">
-              <a:avLst/>
-            </a:prstGeom>
-            <a:noFill/>
-            <a:ln>
-              <a:solidFill>
-                <a:schemeClr val="tx1"/>
-              </a:solidFill>
-            </a:ln>
-          </p:spPr>
-          <p:style>
-            <a:lnRef idx="2">
-              <a:schemeClr val="accent1">
-                <a:shade val="50000"/>
-              </a:schemeClr>
-            </a:lnRef>
-            <a:fillRef idx="1">
-              <a:schemeClr val="accent1"/>
-            </a:fillRef>
-            <a:effectRef idx="0">
-              <a:schemeClr val="accent1"/>
-            </a:effectRef>
-            <a:fontRef idx="minor">
-              <a:schemeClr val="lt1"/>
-            </a:fontRef>
-          </p:style>
-          <p:txBody>
-            <a:bodyPr rtlCol="0" anchor="ctr"/>
-            <a:lstStyle/>
-            <a:p>
-              <a:pPr algn="ctr"/>
-              <a:endParaRPr kumimoji="1" lang="ko-Kore-KR" altLang="en-US"/>
-            </a:p>
-          </p:txBody>
-        </p:sp>
-        <p:sp>
-          <p:nvSpPr>
-            <p:cNvPr id="31" name="TextBox 30">
-              <a:extLst>
-                <a:ext uri="{FF2B5EF4-FFF2-40B4-BE49-F238E27FC236}">
-                  <a16:creationId xmlns:a16="http://schemas.microsoft.com/office/drawing/2014/main" id="{772BB182-D38E-2453-BEC8-BD0131A6A46A}"/>
-                </a:ext>
-              </a:extLst>
-            </p:cNvPr>
-            <p:cNvSpPr txBox="1"/>
-            <p:nvPr/>
-          </p:nvSpPr>
-          <p:spPr>
-            <a:xfrm>
-              <a:off x="4519421" y="2338474"/>
-              <a:ext cx="1661032" cy="523220"/>
-            </a:xfrm>
-            <a:prstGeom prst="rect">
-              <a:avLst/>
-            </a:prstGeom>
-            <a:noFill/>
-          </p:spPr>
-          <p:txBody>
-            <a:bodyPr wrap="none" rtlCol="0">
-              <a:spAutoFit/>
-            </a:bodyPr>
-            <a:lstStyle/>
-            <a:p>
-              <a:r>
-                <a:rPr kumimoji="1" lang="ko-KR" altLang="en-US" sz="1400" dirty="0">
-                  <a:solidFill>
-                    <a:srgbClr val="FD997D"/>
-                  </a:solidFill>
-                </a:rPr>
-                <a:t>입력한 해시태그가</a:t>
-              </a:r>
-              <a:endParaRPr kumimoji="1" lang="en-US" altLang="ko-KR" sz="1400" dirty="0">
-                <a:solidFill>
-                  <a:srgbClr val="FD997D"/>
-                </a:solidFill>
-              </a:endParaRPr>
-            </a:p>
-            <a:p>
-              <a:r>
-                <a:rPr kumimoji="1" lang="en-US" altLang="ko-KR" sz="1400" dirty="0">
-                  <a:solidFill>
-                    <a:srgbClr val="FD997D"/>
-                  </a:solidFill>
-                </a:rPr>
-                <a:t>DB</a:t>
-              </a:r>
-              <a:r>
-                <a:rPr kumimoji="1" lang="ko-KR" altLang="en-US" sz="1400" dirty="0">
-                  <a:solidFill>
-                    <a:srgbClr val="FD997D"/>
-                  </a:solidFill>
-                </a:rPr>
-                <a:t>에 존재하는가</a:t>
-              </a:r>
-              <a:r>
-                <a:rPr kumimoji="1" lang="en-US" altLang="ko-KR" sz="1400" dirty="0">
-                  <a:solidFill>
-                    <a:srgbClr val="FD997D"/>
-                  </a:solidFill>
-                </a:rPr>
-                <a:t>?</a:t>
-              </a:r>
-            </a:p>
-          </p:txBody>
-        </p:sp>
-        <p:sp>
-          <p:nvSpPr>
-            <p:cNvPr id="37" name="TextBox 36">
-              <a:extLst>
-                <a:ext uri="{FF2B5EF4-FFF2-40B4-BE49-F238E27FC236}">
-                  <a16:creationId xmlns:a16="http://schemas.microsoft.com/office/drawing/2014/main" id="{571795A3-82D0-7622-60AC-8DB0D0F60F34}"/>
-                </a:ext>
-              </a:extLst>
-            </p:cNvPr>
-            <p:cNvSpPr txBox="1"/>
-            <p:nvPr/>
-          </p:nvSpPr>
-          <p:spPr>
-            <a:xfrm>
-              <a:off x="5696097" y="3159759"/>
-              <a:ext cx="389594" cy="276999"/>
-            </a:xfrm>
-            <a:prstGeom prst="rect">
-              <a:avLst/>
-            </a:prstGeom>
-            <a:noFill/>
-          </p:spPr>
-          <p:txBody>
-            <a:bodyPr wrap="none" rtlCol="0">
-              <a:spAutoFit/>
-            </a:bodyPr>
-            <a:lstStyle/>
-            <a:p>
-              <a:r>
-                <a:rPr kumimoji="1" lang="en-US" altLang="ko-Kore-KR" sz="1200" dirty="0"/>
-                <a:t>yes</a:t>
-              </a:r>
-              <a:endParaRPr kumimoji="1" lang="ko-Kore-KR" altLang="en-US" sz="1200" dirty="0"/>
-            </a:p>
-          </p:txBody>
-        </p:sp>
-        <p:cxnSp>
-          <p:nvCxnSpPr>
-            <p:cNvPr id="38" name="직선 화살표 연결선 37">
-              <a:extLst>
-                <a:ext uri="{FF2B5EF4-FFF2-40B4-BE49-F238E27FC236}">
-                  <a16:creationId xmlns:a16="http://schemas.microsoft.com/office/drawing/2014/main" id="{B28AA7A9-5280-17E1-1CE4-48CEE4D6C230}"/>
-                </a:ext>
-              </a:extLst>
-            </p:cNvPr>
-            <p:cNvCxnSpPr>
-              <a:cxnSpLocks/>
-              <a:stCxn id="29" idx="2"/>
-              <a:endCxn id="40" idx="0"/>
-            </p:cNvCxnSpPr>
-            <p:nvPr/>
-          </p:nvCxnSpPr>
-          <p:spPr>
-            <a:xfrm>
-              <a:off x="5411657" y="3431857"/>
-              <a:ext cx="3852" cy="536960"/>
-            </a:xfrm>
-            <a:prstGeom prst="straightConnector1">
-              <a:avLst/>
-            </a:prstGeom>
-            <a:ln w="19050">
-              <a:tailEnd type="triangle"/>
-            </a:ln>
-          </p:spPr>
-          <p:style>
-            <a:lnRef idx="1">
-              <a:schemeClr val="dk1"/>
-            </a:lnRef>
-            <a:fillRef idx="0">
-              <a:schemeClr val="dk1"/>
-            </a:fillRef>
-            <a:effectRef idx="0">
-              <a:schemeClr val="dk1"/>
-            </a:effectRef>
-            <a:fontRef idx="minor">
+            </a:solidFill>
+            <a:tailEnd type="triangle"/>
+          </a:ln>
+        </p:spPr>
+        <p:style>
+          <a:lnRef idx="1">
+            <a:schemeClr val="accent1"/>
+          </a:lnRef>
+          <a:fillRef idx="0">
+            <a:schemeClr val="accent1"/>
+          </a:fillRef>
+          <a:effectRef idx="0">
+            <a:schemeClr val="accent1"/>
+          </a:effectRef>
+          <a:fontRef idx="minor">
+            <a:schemeClr val="tx1"/>
+          </a:fontRef>
+        </p:style>
+      </p:cxnSp>
+      <p:sp>
+        <p:nvSpPr>
+          <p:cNvPr id="44" name="TextBox 43">
+            <a:extLst>
+              <a:ext uri="{FF2B5EF4-FFF2-40B4-BE49-F238E27FC236}">
+                <a16:creationId xmlns:a16="http://schemas.microsoft.com/office/drawing/2014/main" id="{7445F3D4-5428-4BBE-E3A4-7CCFE656D628}"/>
+              </a:ext>
+            </a:extLst>
+          </p:cNvPr>
+          <p:cNvSpPr txBox="1"/>
+          <p:nvPr/>
+        </p:nvSpPr>
+        <p:spPr>
+          <a:xfrm>
+            <a:off x="5408017" y="3570027"/>
+            <a:ext cx="365806" cy="276999"/>
+          </a:xfrm>
+          <a:prstGeom prst="rect">
+            <a:avLst/>
+          </a:prstGeom>
+          <a:noFill/>
+        </p:spPr>
+        <p:txBody>
+          <a:bodyPr wrap="none" rtlCol="0">
+            <a:spAutoFit/>
+          </a:bodyPr>
+          <a:lstStyle/>
+          <a:p>
+            <a:r>
+              <a:rPr kumimoji="1" lang="en-US" altLang="ko-Kore-KR" sz="1200" dirty="0"/>
+              <a:t>No</a:t>
+            </a:r>
+            <a:endParaRPr kumimoji="1" lang="ko-Kore-KR" altLang="en-US" sz="1200" dirty="0"/>
+          </a:p>
+        </p:txBody>
+      </p:sp>
+      <p:cxnSp>
+        <p:nvCxnSpPr>
+          <p:cNvPr id="42" name="직선 화살표 연결선 41">
+            <a:extLst>
+              <a:ext uri="{FF2B5EF4-FFF2-40B4-BE49-F238E27FC236}">
+                <a16:creationId xmlns:a16="http://schemas.microsoft.com/office/drawing/2014/main" id="{D28E68B2-C703-6629-9653-F94582BA544B}"/>
+              </a:ext>
+            </a:extLst>
+          </p:cNvPr>
+          <p:cNvCxnSpPr>
+            <a:cxnSpLocks/>
+            <a:stCxn id="16" idx="3"/>
+          </p:cNvCxnSpPr>
+          <p:nvPr/>
+        </p:nvCxnSpPr>
+        <p:spPr>
+          <a:xfrm flipV="1">
+            <a:off x="7850237" y="3181168"/>
+            <a:ext cx="457968" cy="2366"/>
+          </a:xfrm>
+          <a:prstGeom prst="straightConnector1">
+            <a:avLst/>
+          </a:prstGeom>
+          <a:ln w="19050">
+            <a:tailEnd type="triangle"/>
+          </a:ln>
+        </p:spPr>
+        <p:style>
+          <a:lnRef idx="1">
+            <a:schemeClr val="dk1"/>
+          </a:lnRef>
+          <a:fillRef idx="0">
+            <a:schemeClr val="dk1"/>
+          </a:fillRef>
+          <a:effectRef idx="0">
+            <a:schemeClr val="dk1"/>
+          </a:effectRef>
+          <a:fontRef idx="minor">
+            <a:schemeClr val="tx1"/>
+          </a:fontRef>
+        </p:style>
+      </p:cxnSp>
+      <p:cxnSp>
+        <p:nvCxnSpPr>
+          <p:cNvPr id="48" name="직선 화살표 연결선 47">
+            <a:extLst>
+              <a:ext uri="{FF2B5EF4-FFF2-40B4-BE49-F238E27FC236}">
+                <a16:creationId xmlns:a16="http://schemas.microsoft.com/office/drawing/2014/main" id="{974BCD39-945F-764B-100D-5FD302EDE22A}"/>
+              </a:ext>
+            </a:extLst>
+          </p:cNvPr>
+          <p:cNvCxnSpPr>
+            <a:cxnSpLocks/>
+          </p:cNvCxnSpPr>
+          <p:nvPr/>
+        </p:nvCxnSpPr>
+        <p:spPr>
+          <a:xfrm flipV="1">
+            <a:off x="8308205" y="2295939"/>
+            <a:ext cx="540000" cy="3748"/>
+          </a:xfrm>
+          <a:prstGeom prst="straightConnector1">
+            <a:avLst/>
+          </a:prstGeom>
+          <a:ln w="19050">
+            <a:tailEnd type="triangle"/>
+          </a:ln>
+        </p:spPr>
+        <p:style>
+          <a:lnRef idx="1">
+            <a:schemeClr val="dk1"/>
+          </a:lnRef>
+          <a:fillRef idx="0">
+            <a:schemeClr val="dk1"/>
+          </a:fillRef>
+          <a:effectRef idx="0">
+            <a:schemeClr val="dk1"/>
+          </a:effectRef>
+          <a:fontRef idx="minor">
+            <a:schemeClr val="tx1"/>
+          </a:fontRef>
+        </p:style>
+      </p:cxnSp>
+      <p:cxnSp>
+        <p:nvCxnSpPr>
+          <p:cNvPr id="49" name="직선 화살표 연결선 48">
+            <a:extLst>
+              <a:ext uri="{FF2B5EF4-FFF2-40B4-BE49-F238E27FC236}">
+                <a16:creationId xmlns:a16="http://schemas.microsoft.com/office/drawing/2014/main" id="{A5DA3D70-F1CA-82F1-0F8C-44CB556A34F9}"/>
+              </a:ext>
+            </a:extLst>
+          </p:cNvPr>
+          <p:cNvCxnSpPr>
+            <a:cxnSpLocks/>
+          </p:cNvCxnSpPr>
+          <p:nvPr/>
+        </p:nvCxnSpPr>
+        <p:spPr>
+          <a:xfrm>
+            <a:off x="8308205" y="4254414"/>
+            <a:ext cx="540000" cy="0"/>
+          </a:xfrm>
+          <a:prstGeom prst="straightConnector1">
+            <a:avLst/>
+          </a:prstGeom>
+          <a:ln w="19050">
+            <a:tailEnd type="triangle"/>
+          </a:ln>
+        </p:spPr>
+        <p:style>
+          <a:lnRef idx="1">
+            <a:schemeClr val="dk1"/>
+          </a:lnRef>
+          <a:fillRef idx="0">
+            <a:schemeClr val="dk1"/>
+          </a:fillRef>
+          <a:effectRef idx="0">
+            <a:schemeClr val="dk1"/>
+          </a:effectRef>
+          <a:fontRef idx="minor">
+            <a:schemeClr val="tx1"/>
+          </a:fontRef>
+        </p:style>
+      </p:cxnSp>
+      <p:sp>
+        <p:nvSpPr>
+          <p:cNvPr id="52" name="모서리가 둥근 직사각형 51">
+            <a:extLst>
+              <a:ext uri="{FF2B5EF4-FFF2-40B4-BE49-F238E27FC236}">
+                <a16:creationId xmlns:a16="http://schemas.microsoft.com/office/drawing/2014/main" id="{9C043B31-1BD2-8999-8527-220B842FBECB}"/>
+              </a:ext>
+            </a:extLst>
+          </p:cNvPr>
+          <p:cNvSpPr/>
+          <p:nvPr/>
+        </p:nvSpPr>
+        <p:spPr>
+          <a:xfrm>
+            <a:off x="8848205" y="3993465"/>
+            <a:ext cx="1672243" cy="521898"/>
+          </a:xfrm>
+          <a:prstGeom prst="roundRect">
+            <a:avLst/>
+          </a:prstGeom>
+          <a:noFill/>
+          <a:ln>
+            <a:solidFill>
               <a:schemeClr val="tx1"/>
-            </a:fontRef>
-          </p:style>
-        </p:cxnSp>
-        <p:sp>
-          <p:nvSpPr>
-            <p:cNvPr id="40" name="모서리가 둥근 직사각형 39">
-              <a:extLst>
-                <a:ext uri="{FF2B5EF4-FFF2-40B4-BE49-F238E27FC236}">
-                  <a16:creationId xmlns:a16="http://schemas.microsoft.com/office/drawing/2014/main" id="{42F73CDA-A9B1-20E1-CDDA-428DCF1B41AA}"/>
-                </a:ext>
-              </a:extLst>
-            </p:cNvPr>
-            <p:cNvSpPr/>
-            <p:nvPr/>
-          </p:nvSpPr>
-          <p:spPr>
-            <a:xfrm>
-              <a:off x="4579387" y="3968817"/>
-              <a:ext cx="1672243" cy="521898"/>
-            </a:xfrm>
-            <a:prstGeom prst="roundRect">
-              <a:avLst/>
-            </a:prstGeom>
-            <a:noFill/>
-            <a:ln>
-              <a:solidFill>
-                <a:schemeClr val="tx1"/>
-              </a:solidFill>
-            </a:ln>
-          </p:spPr>
-          <p:style>
-            <a:lnRef idx="2">
-              <a:schemeClr val="accent1">
-                <a:shade val="50000"/>
-              </a:schemeClr>
-            </a:lnRef>
-            <a:fillRef idx="1">
-              <a:schemeClr val="accent1"/>
-            </a:fillRef>
-            <a:effectRef idx="0">
-              <a:schemeClr val="accent1"/>
-            </a:effectRef>
-            <a:fontRef idx="minor">
-              <a:schemeClr val="lt1"/>
-            </a:fontRef>
-          </p:style>
-          <p:txBody>
-            <a:bodyPr rtlCol="0" anchor="ctr"/>
-            <a:lstStyle/>
-            <a:p>
-              <a:pPr algn="ctr"/>
-              <a:r>
-                <a:rPr kumimoji="1" lang="ko-KR" altLang="en-US" sz="1400" dirty="0">
-                  <a:solidFill>
-                    <a:srgbClr val="FD997D"/>
-                  </a:solidFill>
-                  <a:latin typeface="Malgun Gothic" panose="020B0503020000020004" pitchFamily="34" charset="-127"/>
-                  <a:ea typeface="Malgun Gothic" panose="020B0503020000020004" pitchFamily="34" charset="-127"/>
-                </a:rPr>
-                <a:t>검색 결과 없음 알림</a:t>
-              </a:r>
-              <a:endParaRPr kumimoji="1" lang="en-US" altLang="ko-KR" sz="1400" dirty="0">
+            </a:solidFill>
+          </a:ln>
+        </p:spPr>
+        <p:style>
+          <a:lnRef idx="2">
+            <a:schemeClr val="accent1">
+              <a:shade val="50000"/>
+            </a:schemeClr>
+          </a:lnRef>
+          <a:fillRef idx="1">
+            <a:schemeClr val="accent1"/>
+          </a:fillRef>
+          <a:effectRef idx="0">
+            <a:schemeClr val="accent1"/>
+          </a:effectRef>
+          <a:fontRef idx="minor">
+            <a:schemeClr val="lt1"/>
+          </a:fontRef>
+        </p:style>
+        <p:txBody>
+          <a:bodyPr rtlCol="0" anchor="ctr"/>
+          <a:lstStyle/>
+          <a:p>
+            <a:pPr algn="ctr"/>
+            <a:r>
+              <a:rPr kumimoji="1" lang="ko-KR" altLang="en-US" sz="1400" dirty="0">
                 <a:solidFill>
                   <a:srgbClr val="FD997D"/>
                 </a:solidFill>
                 <a:latin typeface="Malgun Gothic" panose="020B0503020000020004" pitchFamily="34" charset="-127"/>
                 <a:ea typeface="Malgun Gothic" panose="020B0503020000020004" pitchFamily="34" charset="-127"/>
-              </a:endParaRPr>
-            </a:p>
-          </p:txBody>
-        </p:sp>
-        <p:cxnSp>
-          <p:nvCxnSpPr>
-            <p:cNvPr id="41" name="꺾인 연결선[E] 40">
-              <a:extLst>
-                <a:ext uri="{FF2B5EF4-FFF2-40B4-BE49-F238E27FC236}">
-                  <a16:creationId xmlns:a16="http://schemas.microsoft.com/office/drawing/2014/main" id="{DB59E783-19C0-9294-AEFD-A5E74C06D002}"/>
-                </a:ext>
-              </a:extLst>
-            </p:cNvPr>
-            <p:cNvCxnSpPr>
-              <a:cxnSpLocks/>
-              <a:stCxn id="40" idx="1"/>
-              <a:endCxn id="9" idx="2"/>
-            </p:cNvCxnSpPr>
-            <p:nvPr/>
-          </p:nvCxnSpPr>
-          <p:spPr>
-            <a:xfrm rot="10800000">
-              <a:off x="3829847" y="3426520"/>
-              <a:ext cx="749541" cy="803246"/>
-            </a:xfrm>
-            <a:prstGeom prst="bentConnector2">
-              <a:avLst/>
-            </a:prstGeom>
-            <a:ln w="19050">
+              </a:rPr>
+              <a:t>취소버튼 클릭</a:t>
+            </a:r>
+            <a:endParaRPr kumimoji="1" lang="en-US" altLang="ko-KR" sz="1400" dirty="0">
               <a:solidFill>
-                <a:schemeClr val="tx1"/>
+                <a:srgbClr val="FD997D"/>
               </a:solidFill>
-              <a:tailEnd type="triangle"/>
-            </a:ln>
-          </p:spPr>
-          <p:style>
-            <a:lnRef idx="1">
-              <a:schemeClr val="accent1"/>
-            </a:lnRef>
-            <a:fillRef idx="0">
-              <a:schemeClr val="accent1"/>
-            </a:fillRef>
-            <a:effectRef idx="0">
-              <a:schemeClr val="accent1"/>
-            </a:effectRef>
-            <a:fontRef idx="minor">
+              <a:latin typeface="Malgun Gothic" panose="020B0503020000020004" pitchFamily="34" charset="-127"/>
+              <a:ea typeface="Malgun Gothic" panose="020B0503020000020004" pitchFamily="34" charset="-127"/>
+            </a:endParaRPr>
+          </a:p>
+        </p:txBody>
+      </p:sp>
+      <p:sp>
+        <p:nvSpPr>
+          <p:cNvPr id="53" name="모서리가 둥근 직사각형 52">
+            <a:extLst>
+              <a:ext uri="{FF2B5EF4-FFF2-40B4-BE49-F238E27FC236}">
+                <a16:creationId xmlns:a16="http://schemas.microsoft.com/office/drawing/2014/main" id="{6B4B9B6E-19FE-EB91-04C2-83CDD18D8164}"/>
+              </a:ext>
+            </a:extLst>
+          </p:cNvPr>
+          <p:cNvSpPr/>
+          <p:nvPr/>
+        </p:nvSpPr>
+        <p:spPr>
+          <a:xfrm>
+            <a:off x="8848205" y="2034990"/>
+            <a:ext cx="1672243" cy="521898"/>
+          </a:xfrm>
+          <a:prstGeom prst="roundRect">
+            <a:avLst/>
+          </a:prstGeom>
+          <a:noFill/>
+          <a:ln>
+            <a:solidFill>
               <a:schemeClr val="tx1"/>
-            </a:fontRef>
-          </p:style>
-        </p:cxnSp>
-        <p:sp>
-          <p:nvSpPr>
-            <p:cNvPr id="44" name="TextBox 43">
-              <a:extLst>
-                <a:ext uri="{FF2B5EF4-FFF2-40B4-BE49-F238E27FC236}">
-                  <a16:creationId xmlns:a16="http://schemas.microsoft.com/office/drawing/2014/main" id="{7445F3D4-5428-4BBE-E3A4-7CCFE656D628}"/>
-                </a:ext>
-              </a:extLst>
-            </p:cNvPr>
-            <p:cNvSpPr txBox="1"/>
-            <p:nvPr/>
-          </p:nvSpPr>
-          <p:spPr>
-            <a:xfrm>
-              <a:off x="5416729" y="3545379"/>
-              <a:ext cx="365806" cy="276999"/>
-            </a:xfrm>
-            <a:prstGeom prst="rect">
-              <a:avLst/>
-            </a:prstGeom>
-            <a:noFill/>
-          </p:spPr>
-          <p:txBody>
-            <a:bodyPr wrap="none" rtlCol="0">
-              <a:spAutoFit/>
-            </a:bodyPr>
-            <a:lstStyle/>
-            <a:p>
-              <a:r>
-                <a:rPr kumimoji="1" lang="en-US" altLang="ko-Kore-KR" sz="1200" dirty="0"/>
-                <a:t>No</a:t>
-              </a:r>
-              <a:endParaRPr kumimoji="1" lang="ko-Kore-KR" altLang="en-US" sz="1200" dirty="0"/>
-            </a:p>
-          </p:txBody>
-        </p:sp>
-        <p:cxnSp>
-          <p:nvCxnSpPr>
-            <p:cNvPr id="42" name="직선 화살표 연결선 41">
-              <a:extLst>
-                <a:ext uri="{FF2B5EF4-FFF2-40B4-BE49-F238E27FC236}">
-                  <a16:creationId xmlns:a16="http://schemas.microsoft.com/office/drawing/2014/main" id="{D28E68B2-C703-6629-9653-F94582BA544B}"/>
-                </a:ext>
-              </a:extLst>
-            </p:cNvPr>
-            <p:cNvCxnSpPr>
-              <a:cxnSpLocks/>
-              <a:stCxn id="16" idx="3"/>
-              <a:endCxn id="46" idx="1"/>
-            </p:cNvCxnSpPr>
-            <p:nvPr/>
-          </p:nvCxnSpPr>
-          <p:spPr>
-            <a:xfrm flipV="1">
-              <a:off x="7858949" y="3156520"/>
-              <a:ext cx="457968" cy="2366"/>
-            </a:xfrm>
-            <a:prstGeom prst="straightConnector1">
-              <a:avLst/>
-            </a:prstGeom>
-            <a:ln w="19050">
-              <a:tailEnd type="triangle"/>
-            </a:ln>
-          </p:spPr>
-          <p:style>
-            <a:lnRef idx="1">
-              <a:schemeClr val="dk1"/>
-            </a:lnRef>
-            <a:fillRef idx="0">
-              <a:schemeClr val="dk1"/>
-            </a:fillRef>
-            <a:effectRef idx="0">
-              <a:schemeClr val="dk1"/>
-            </a:effectRef>
-            <a:fontRef idx="minor">
-              <a:schemeClr val="tx1"/>
-            </a:fontRef>
-          </p:style>
-        </p:cxnSp>
-        <p:sp>
-          <p:nvSpPr>
-            <p:cNvPr id="46" name="다이아몬드 45">
-              <a:extLst>
-                <a:ext uri="{FF2B5EF4-FFF2-40B4-BE49-F238E27FC236}">
-                  <a16:creationId xmlns:a16="http://schemas.microsoft.com/office/drawing/2014/main" id="{6335F7BB-ADE4-E20B-97C3-3FEC7A75E8A0}"/>
-                </a:ext>
-              </a:extLst>
-            </p:cNvPr>
-            <p:cNvSpPr>
-              <a:spLocks noChangeAspect="1"/>
-            </p:cNvSpPr>
-            <p:nvPr/>
-          </p:nvSpPr>
-          <p:spPr>
-            <a:xfrm>
-              <a:off x="8316917" y="2886520"/>
-              <a:ext cx="540000" cy="540000"/>
-            </a:xfrm>
-            <a:prstGeom prst="diamond">
-              <a:avLst/>
-            </a:prstGeom>
-            <a:noFill/>
-            <a:ln>
-              <a:solidFill>
-                <a:schemeClr val="tx1"/>
-              </a:solidFill>
-            </a:ln>
-          </p:spPr>
-          <p:style>
-            <a:lnRef idx="2">
-              <a:schemeClr val="accent1">
-                <a:shade val="50000"/>
-              </a:schemeClr>
-            </a:lnRef>
-            <a:fillRef idx="1">
-              <a:schemeClr val="accent1"/>
-            </a:fillRef>
-            <a:effectRef idx="0">
-              <a:schemeClr val="accent1"/>
-            </a:effectRef>
-            <a:fontRef idx="minor">
-              <a:schemeClr val="lt1"/>
-            </a:fontRef>
-          </p:style>
-          <p:txBody>
-            <a:bodyPr rtlCol="0" anchor="ctr"/>
-            <a:lstStyle/>
-            <a:p>
-              <a:pPr algn="ctr"/>
-              <a:endParaRPr kumimoji="1" lang="ko-Kore-KR" altLang="en-US"/>
-            </a:p>
-          </p:txBody>
-        </p:sp>
-        <p:sp>
-          <p:nvSpPr>
-            <p:cNvPr id="47" name="TextBox 46">
-              <a:extLst>
-                <a:ext uri="{FF2B5EF4-FFF2-40B4-BE49-F238E27FC236}">
-                  <a16:creationId xmlns:a16="http://schemas.microsoft.com/office/drawing/2014/main" id="{57274CC9-3B6A-11B8-E035-8E7BFD80ED44}"/>
-                </a:ext>
-              </a:extLst>
-            </p:cNvPr>
-            <p:cNvSpPr txBox="1"/>
-            <p:nvPr/>
-          </p:nvSpPr>
-          <p:spPr>
-            <a:xfrm>
-              <a:off x="7710820" y="2317988"/>
-              <a:ext cx="1744388" cy="523220"/>
-            </a:xfrm>
-            <a:prstGeom prst="rect">
-              <a:avLst/>
-            </a:prstGeom>
-            <a:noFill/>
-          </p:spPr>
-          <p:txBody>
-            <a:bodyPr wrap="none" rtlCol="0">
-              <a:spAutoFit/>
-            </a:bodyPr>
-            <a:lstStyle/>
-            <a:p>
-              <a:r>
-                <a:rPr kumimoji="1" lang="ko-KR" altLang="en-US" sz="1400" dirty="0">
-                  <a:solidFill>
-                    <a:srgbClr val="FD997D"/>
-                  </a:solidFill>
-                </a:rPr>
-                <a:t>해당 다이어리로</a:t>
-              </a:r>
-              <a:endParaRPr kumimoji="1" lang="en-US" altLang="ko-KR" sz="1400" dirty="0">
-                <a:solidFill>
-                  <a:srgbClr val="FD997D"/>
-                </a:solidFill>
-              </a:endParaRPr>
-            </a:p>
-            <a:p>
-              <a:r>
-                <a:rPr kumimoji="1" lang="ko-KR" altLang="en-US" sz="1400" dirty="0">
-                  <a:solidFill>
-                    <a:srgbClr val="FD997D"/>
-                  </a:solidFill>
-                </a:rPr>
-                <a:t>이동하길 원하는가</a:t>
-              </a:r>
-              <a:r>
-                <a:rPr kumimoji="1" lang="en-US" altLang="ko-KR" sz="1400" dirty="0">
-                  <a:solidFill>
-                    <a:srgbClr val="FD997D"/>
-                  </a:solidFill>
-                </a:rPr>
-                <a:t>?</a:t>
-              </a:r>
-            </a:p>
-          </p:txBody>
-        </p:sp>
-        <p:cxnSp>
-          <p:nvCxnSpPr>
-            <p:cNvPr id="48" name="직선 화살표 연결선 47">
-              <a:extLst>
-                <a:ext uri="{FF2B5EF4-FFF2-40B4-BE49-F238E27FC236}">
-                  <a16:creationId xmlns:a16="http://schemas.microsoft.com/office/drawing/2014/main" id="{974BCD39-945F-764B-100D-5FD302EDE22A}"/>
-                </a:ext>
-              </a:extLst>
-            </p:cNvPr>
-            <p:cNvCxnSpPr>
-              <a:cxnSpLocks/>
-              <a:stCxn id="46" idx="3"/>
-              <a:endCxn id="53" idx="1"/>
-            </p:cNvCxnSpPr>
-            <p:nvPr/>
-          </p:nvCxnSpPr>
-          <p:spPr>
-            <a:xfrm flipV="1">
-              <a:off x="8856917" y="3152772"/>
-              <a:ext cx="540000" cy="3748"/>
-            </a:xfrm>
-            <a:prstGeom prst="straightConnector1">
-              <a:avLst/>
-            </a:prstGeom>
-            <a:ln w="19050">
-              <a:tailEnd type="triangle"/>
-            </a:ln>
-          </p:spPr>
-          <p:style>
-            <a:lnRef idx="1">
-              <a:schemeClr val="dk1"/>
-            </a:lnRef>
-            <a:fillRef idx="0">
-              <a:schemeClr val="dk1"/>
-            </a:fillRef>
-            <a:effectRef idx="0">
-              <a:schemeClr val="dk1"/>
-            </a:effectRef>
-            <a:fontRef idx="minor">
-              <a:schemeClr val="tx1"/>
-            </a:fontRef>
-          </p:style>
-        </p:cxnSp>
-        <p:cxnSp>
-          <p:nvCxnSpPr>
-            <p:cNvPr id="49" name="직선 화살표 연결선 48">
-              <a:extLst>
-                <a:ext uri="{FF2B5EF4-FFF2-40B4-BE49-F238E27FC236}">
-                  <a16:creationId xmlns:a16="http://schemas.microsoft.com/office/drawing/2014/main" id="{A5DA3D70-F1CA-82F1-0F8C-44CB556A34F9}"/>
-                </a:ext>
-              </a:extLst>
-            </p:cNvPr>
-            <p:cNvCxnSpPr>
-              <a:cxnSpLocks/>
-              <a:stCxn id="46" idx="2"/>
-              <a:endCxn id="52" idx="0"/>
-            </p:cNvCxnSpPr>
-            <p:nvPr/>
-          </p:nvCxnSpPr>
-          <p:spPr>
-            <a:xfrm>
-              <a:off x="8586917" y="3426520"/>
-              <a:ext cx="3065" cy="542297"/>
-            </a:xfrm>
-            <a:prstGeom prst="straightConnector1">
-              <a:avLst/>
-            </a:prstGeom>
-            <a:ln w="19050">
-              <a:tailEnd type="triangle"/>
-            </a:ln>
-          </p:spPr>
-          <p:style>
-            <a:lnRef idx="1">
-              <a:schemeClr val="dk1"/>
-            </a:lnRef>
-            <a:fillRef idx="0">
-              <a:schemeClr val="dk1"/>
-            </a:fillRef>
-            <a:effectRef idx="0">
-              <a:schemeClr val="dk1"/>
-            </a:effectRef>
-            <a:fontRef idx="minor">
-              <a:schemeClr val="tx1"/>
-            </a:fontRef>
-          </p:style>
-        </p:cxnSp>
-        <p:sp>
-          <p:nvSpPr>
-            <p:cNvPr id="50" name="TextBox 49">
-              <a:extLst>
-                <a:ext uri="{FF2B5EF4-FFF2-40B4-BE49-F238E27FC236}">
-                  <a16:creationId xmlns:a16="http://schemas.microsoft.com/office/drawing/2014/main" id="{059008BF-CF21-3BC7-E45C-F5624EE783C4}"/>
-                </a:ext>
-              </a:extLst>
-            </p:cNvPr>
-            <p:cNvSpPr txBox="1"/>
-            <p:nvPr/>
-          </p:nvSpPr>
-          <p:spPr>
-            <a:xfrm>
-              <a:off x="8898731" y="3153495"/>
-              <a:ext cx="389594" cy="276999"/>
-            </a:xfrm>
-            <a:prstGeom prst="rect">
-              <a:avLst/>
-            </a:prstGeom>
-            <a:noFill/>
-          </p:spPr>
-          <p:txBody>
-            <a:bodyPr wrap="none" rtlCol="0">
-              <a:spAutoFit/>
-            </a:bodyPr>
-            <a:lstStyle/>
-            <a:p>
-              <a:r>
-                <a:rPr kumimoji="1" lang="en-US" altLang="ko-Kore-KR" sz="1200" dirty="0"/>
-                <a:t>yes</a:t>
-              </a:r>
-              <a:endParaRPr kumimoji="1" lang="ko-Kore-KR" altLang="en-US" sz="1200" dirty="0"/>
-            </a:p>
-          </p:txBody>
-        </p:sp>
-        <p:sp>
-          <p:nvSpPr>
-            <p:cNvPr id="51" name="TextBox 50">
-              <a:extLst>
-                <a:ext uri="{FF2B5EF4-FFF2-40B4-BE49-F238E27FC236}">
-                  <a16:creationId xmlns:a16="http://schemas.microsoft.com/office/drawing/2014/main" id="{FE5BC1AF-1FB5-4AF3-D6AD-CD8C503AAA50}"/>
-                </a:ext>
-              </a:extLst>
-            </p:cNvPr>
-            <p:cNvSpPr txBox="1"/>
-            <p:nvPr/>
-          </p:nvSpPr>
-          <p:spPr>
-            <a:xfrm>
-              <a:off x="8586704" y="3543281"/>
-              <a:ext cx="365806" cy="276999"/>
-            </a:xfrm>
-            <a:prstGeom prst="rect">
-              <a:avLst/>
-            </a:prstGeom>
-            <a:noFill/>
-          </p:spPr>
-          <p:txBody>
-            <a:bodyPr wrap="none" rtlCol="0">
-              <a:spAutoFit/>
-            </a:bodyPr>
-            <a:lstStyle/>
-            <a:p>
-              <a:r>
-                <a:rPr kumimoji="1" lang="en-US" altLang="ko-Kore-KR" sz="1200" dirty="0"/>
-                <a:t>No</a:t>
-              </a:r>
-              <a:endParaRPr kumimoji="1" lang="ko-Kore-KR" altLang="en-US" sz="1200" dirty="0"/>
-            </a:p>
-          </p:txBody>
-        </p:sp>
-        <p:sp>
-          <p:nvSpPr>
-            <p:cNvPr id="52" name="모서리가 둥근 직사각형 51">
-              <a:extLst>
-                <a:ext uri="{FF2B5EF4-FFF2-40B4-BE49-F238E27FC236}">
-                  <a16:creationId xmlns:a16="http://schemas.microsoft.com/office/drawing/2014/main" id="{9C043B31-1BD2-8999-8527-220B842FBECB}"/>
-                </a:ext>
-              </a:extLst>
-            </p:cNvPr>
-            <p:cNvSpPr/>
-            <p:nvPr/>
-          </p:nvSpPr>
-          <p:spPr>
-            <a:xfrm>
-              <a:off x="7753860" y="3968817"/>
-              <a:ext cx="1672243" cy="521898"/>
-            </a:xfrm>
-            <a:prstGeom prst="roundRect">
-              <a:avLst/>
-            </a:prstGeom>
-            <a:noFill/>
-            <a:ln>
-              <a:solidFill>
-                <a:schemeClr val="tx1"/>
-              </a:solidFill>
-            </a:ln>
-          </p:spPr>
-          <p:style>
-            <a:lnRef idx="2">
-              <a:schemeClr val="accent1">
-                <a:shade val="50000"/>
-              </a:schemeClr>
-            </a:lnRef>
-            <a:fillRef idx="1">
-              <a:schemeClr val="accent1"/>
-            </a:fillRef>
-            <a:effectRef idx="0">
-              <a:schemeClr val="accent1"/>
-            </a:effectRef>
-            <a:fontRef idx="minor">
-              <a:schemeClr val="lt1"/>
-            </a:fontRef>
-          </p:style>
-          <p:txBody>
-            <a:bodyPr rtlCol="0" anchor="ctr"/>
-            <a:lstStyle/>
-            <a:p>
-              <a:pPr algn="ctr"/>
-              <a:r>
-                <a:rPr kumimoji="1" lang="ko-KR" altLang="en-US" sz="1400" dirty="0">
-                  <a:solidFill>
-                    <a:srgbClr val="FD997D"/>
-                  </a:solidFill>
-                  <a:latin typeface="Malgun Gothic" panose="020B0503020000020004" pitchFamily="34" charset="-127"/>
-                  <a:ea typeface="Malgun Gothic" panose="020B0503020000020004" pitchFamily="34" charset="-127"/>
-                </a:rPr>
-                <a:t>취소버튼 클릭</a:t>
-              </a:r>
-              <a:endParaRPr kumimoji="1" lang="en-US" altLang="ko-KR" sz="1400" dirty="0">
+            </a:solidFill>
+          </a:ln>
+        </p:spPr>
+        <p:style>
+          <a:lnRef idx="2">
+            <a:schemeClr val="accent1">
+              <a:shade val="50000"/>
+            </a:schemeClr>
+          </a:lnRef>
+          <a:fillRef idx="1">
+            <a:schemeClr val="accent1"/>
+          </a:fillRef>
+          <a:effectRef idx="0">
+            <a:schemeClr val="accent1"/>
+          </a:effectRef>
+          <a:fontRef idx="minor">
+            <a:schemeClr val="lt1"/>
+          </a:fontRef>
+        </p:style>
+        <p:txBody>
+          <a:bodyPr rtlCol="0" anchor="ctr"/>
+          <a:lstStyle/>
+          <a:p>
+            <a:pPr algn="ctr"/>
+            <a:r>
+              <a:rPr kumimoji="1" lang="ko-KR" altLang="en-US" sz="1400" dirty="0">
                 <a:solidFill>
                   <a:srgbClr val="FD997D"/>
                 </a:solidFill>
                 <a:latin typeface="Malgun Gothic" panose="020B0503020000020004" pitchFamily="34" charset="-127"/>
                 <a:ea typeface="Malgun Gothic" panose="020B0503020000020004" pitchFamily="34" charset="-127"/>
-              </a:endParaRPr>
-            </a:p>
-          </p:txBody>
-        </p:sp>
-        <p:sp>
-          <p:nvSpPr>
-            <p:cNvPr id="53" name="모서리가 둥근 직사각형 52">
-              <a:extLst>
-                <a:ext uri="{FF2B5EF4-FFF2-40B4-BE49-F238E27FC236}">
-                  <a16:creationId xmlns:a16="http://schemas.microsoft.com/office/drawing/2014/main" id="{6B4B9B6E-19FE-EB91-04C2-83CDD18D8164}"/>
-                </a:ext>
-              </a:extLst>
-            </p:cNvPr>
-            <p:cNvSpPr/>
-            <p:nvPr/>
-          </p:nvSpPr>
-          <p:spPr>
-            <a:xfrm>
-              <a:off x="9396917" y="2891823"/>
-              <a:ext cx="1672243" cy="521898"/>
-            </a:xfrm>
-            <a:prstGeom prst="roundRect">
-              <a:avLst/>
-            </a:prstGeom>
-            <a:noFill/>
-            <a:ln>
+              </a:rPr>
+              <a:t>원하는 다이어리 내용 클릭</a:t>
+            </a:r>
+            <a:endParaRPr kumimoji="1" lang="en-US" altLang="ko-KR" sz="1400" dirty="0">
               <a:solidFill>
-                <a:schemeClr val="tx1"/>
+                <a:srgbClr val="FD997D"/>
               </a:solidFill>
-            </a:ln>
-          </p:spPr>
-          <p:style>
-            <a:lnRef idx="2">
-              <a:schemeClr val="accent1">
-                <a:shade val="50000"/>
-              </a:schemeClr>
-            </a:lnRef>
-            <a:fillRef idx="1">
-              <a:schemeClr val="accent1"/>
-            </a:fillRef>
-            <a:effectRef idx="0">
-              <a:schemeClr val="accent1"/>
-            </a:effectRef>
-            <a:fontRef idx="minor">
-              <a:schemeClr val="lt1"/>
-            </a:fontRef>
-          </p:style>
-          <p:txBody>
-            <a:bodyPr rtlCol="0" anchor="ctr"/>
-            <a:lstStyle/>
-            <a:p>
-              <a:pPr algn="ctr"/>
-              <a:r>
-                <a:rPr kumimoji="1" lang="ko-KR" altLang="en-US" sz="1400" dirty="0">
-                  <a:solidFill>
-                    <a:srgbClr val="FD997D"/>
-                  </a:solidFill>
-                  <a:latin typeface="Malgun Gothic" panose="020B0503020000020004" pitchFamily="34" charset="-127"/>
-                  <a:ea typeface="Malgun Gothic" panose="020B0503020000020004" pitchFamily="34" charset="-127"/>
-                </a:rPr>
-                <a:t>원하는 다이어리 내용 클릭</a:t>
-              </a:r>
-              <a:endParaRPr kumimoji="1" lang="en-US" altLang="ko-KR" sz="1400" dirty="0">
-                <a:solidFill>
-                  <a:srgbClr val="FD997D"/>
-                </a:solidFill>
-                <a:latin typeface="Malgun Gothic" panose="020B0503020000020004" pitchFamily="34" charset="-127"/>
-                <a:ea typeface="Malgun Gothic" panose="020B0503020000020004" pitchFamily="34" charset="-127"/>
-              </a:endParaRPr>
-            </a:p>
-          </p:txBody>
-        </p:sp>
-        <p:cxnSp>
-          <p:nvCxnSpPr>
-            <p:cNvPr id="54" name="직선 화살표 연결선 53">
-              <a:extLst>
-                <a:ext uri="{FF2B5EF4-FFF2-40B4-BE49-F238E27FC236}">
-                  <a16:creationId xmlns:a16="http://schemas.microsoft.com/office/drawing/2014/main" id="{8B050F47-22CD-FFFD-46DA-211825463B5B}"/>
-                </a:ext>
-              </a:extLst>
-            </p:cNvPr>
-            <p:cNvCxnSpPr>
-              <a:cxnSpLocks/>
-              <a:stCxn id="53" idx="3"/>
-              <a:endCxn id="21" idx="2"/>
-            </p:cNvCxnSpPr>
-            <p:nvPr/>
-          </p:nvCxnSpPr>
-          <p:spPr>
-            <a:xfrm>
-              <a:off x="11069160" y="3152772"/>
-              <a:ext cx="539956" cy="2662"/>
-            </a:xfrm>
-            <a:prstGeom prst="straightConnector1">
-              <a:avLst/>
-            </a:prstGeom>
-            <a:ln w="19050">
-              <a:tailEnd type="triangle"/>
-            </a:ln>
-          </p:spPr>
-          <p:style>
-            <a:lnRef idx="1">
-              <a:schemeClr val="dk1"/>
-            </a:lnRef>
-            <a:fillRef idx="0">
-              <a:schemeClr val="dk1"/>
-            </a:fillRef>
-            <a:effectRef idx="0">
-              <a:schemeClr val="dk1"/>
-            </a:effectRef>
-            <a:fontRef idx="minor">
+              <a:latin typeface="Malgun Gothic" panose="020B0503020000020004" pitchFamily="34" charset="-127"/>
+              <a:ea typeface="Malgun Gothic" panose="020B0503020000020004" pitchFamily="34" charset="-127"/>
+            </a:endParaRPr>
+          </a:p>
+        </p:txBody>
+      </p:sp>
+      <p:cxnSp>
+        <p:nvCxnSpPr>
+          <p:cNvPr id="6" name="직선 연결선[R] 5">
+            <a:extLst>
+              <a:ext uri="{FF2B5EF4-FFF2-40B4-BE49-F238E27FC236}">
+                <a16:creationId xmlns:a16="http://schemas.microsoft.com/office/drawing/2014/main" id="{103A0913-568B-30E8-8382-E8624EAE8B60}"/>
+              </a:ext>
+            </a:extLst>
+          </p:cNvPr>
+          <p:cNvCxnSpPr/>
+          <p:nvPr/>
+        </p:nvCxnSpPr>
+        <p:spPr>
+          <a:xfrm>
+            <a:off x="8308205" y="1445594"/>
+            <a:ext cx="0" cy="3600000"/>
+          </a:xfrm>
+          <a:prstGeom prst="line">
+            <a:avLst/>
+          </a:prstGeom>
+          <a:ln w="28575">
+            <a:solidFill>
               <a:schemeClr val="tx1"/>
-            </a:fontRef>
-          </p:style>
-        </p:cxnSp>
-      </p:grpSp>
+            </a:solidFill>
+          </a:ln>
+        </p:spPr>
+        <p:style>
+          <a:lnRef idx="1">
+            <a:schemeClr val="dk1"/>
+          </a:lnRef>
+          <a:fillRef idx="0">
+            <a:schemeClr val="dk1"/>
+          </a:fillRef>
+          <a:effectRef idx="0">
+            <a:schemeClr val="dk1"/>
+          </a:effectRef>
+          <a:fontRef idx="minor">
+            <a:schemeClr val="tx1"/>
+          </a:fontRef>
+        </p:style>
+      </p:cxnSp>
+      <p:cxnSp>
+        <p:nvCxnSpPr>
+          <p:cNvPr id="43" name="직선 연결선[R] 42">
+            <a:extLst>
+              <a:ext uri="{FF2B5EF4-FFF2-40B4-BE49-F238E27FC236}">
+                <a16:creationId xmlns:a16="http://schemas.microsoft.com/office/drawing/2014/main" id="{A148083B-3574-6DE7-F47A-DEF309773D9D}"/>
+              </a:ext>
+            </a:extLst>
+          </p:cNvPr>
+          <p:cNvCxnSpPr/>
+          <p:nvPr/>
+        </p:nvCxnSpPr>
+        <p:spPr>
+          <a:xfrm>
+            <a:off x="11055760" y="1390219"/>
+            <a:ext cx="0" cy="3600000"/>
+          </a:xfrm>
+          <a:prstGeom prst="line">
+            <a:avLst/>
+          </a:prstGeom>
+          <a:ln w="28575">
+            <a:solidFill>
+              <a:schemeClr val="tx1"/>
+            </a:solidFill>
+          </a:ln>
+        </p:spPr>
+        <p:style>
+          <a:lnRef idx="1">
+            <a:schemeClr val="dk1"/>
+          </a:lnRef>
+          <a:fillRef idx="0">
+            <a:schemeClr val="dk1"/>
+          </a:fillRef>
+          <a:effectRef idx="0">
+            <a:schemeClr val="dk1"/>
+          </a:effectRef>
+          <a:fontRef idx="minor">
+            <a:schemeClr val="tx1"/>
+          </a:fontRef>
+        </p:style>
+      </p:cxnSp>
+      <p:cxnSp>
+        <p:nvCxnSpPr>
+          <p:cNvPr id="45" name="직선 화살표 연결선 44">
+            <a:extLst>
+              <a:ext uri="{FF2B5EF4-FFF2-40B4-BE49-F238E27FC236}">
+                <a16:creationId xmlns:a16="http://schemas.microsoft.com/office/drawing/2014/main" id="{99AA18AD-4D7E-248F-95FE-8FD52191F8EF}"/>
+              </a:ext>
+            </a:extLst>
+          </p:cNvPr>
+          <p:cNvCxnSpPr>
+            <a:cxnSpLocks/>
+            <a:stCxn id="53" idx="3"/>
+          </p:cNvCxnSpPr>
+          <p:nvPr/>
+        </p:nvCxnSpPr>
+        <p:spPr>
+          <a:xfrm>
+            <a:off x="10520448" y="2295939"/>
+            <a:ext cx="540000" cy="0"/>
+          </a:xfrm>
+          <a:prstGeom prst="straightConnector1">
+            <a:avLst/>
+          </a:prstGeom>
+          <a:ln w="19050">
+            <a:tailEnd type="triangle"/>
+          </a:ln>
+        </p:spPr>
+        <p:style>
+          <a:lnRef idx="1">
+            <a:schemeClr val="dk1"/>
+          </a:lnRef>
+          <a:fillRef idx="0">
+            <a:schemeClr val="dk1"/>
+          </a:fillRef>
+          <a:effectRef idx="0">
+            <a:schemeClr val="dk1"/>
+          </a:effectRef>
+          <a:fontRef idx="minor">
+            <a:schemeClr val="tx1"/>
+          </a:fontRef>
+        </p:style>
+      </p:cxnSp>
+      <p:cxnSp>
+        <p:nvCxnSpPr>
+          <p:cNvPr id="55" name="직선 화살표 연결선 54">
+            <a:extLst>
+              <a:ext uri="{FF2B5EF4-FFF2-40B4-BE49-F238E27FC236}">
+                <a16:creationId xmlns:a16="http://schemas.microsoft.com/office/drawing/2014/main" id="{E81478D7-6728-40CA-6B5C-2067A473F870}"/>
+              </a:ext>
+            </a:extLst>
+          </p:cNvPr>
+          <p:cNvCxnSpPr>
+            <a:cxnSpLocks/>
+            <a:stCxn id="52" idx="3"/>
+          </p:cNvCxnSpPr>
+          <p:nvPr/>
+        </p:nvCxnSpPr>
+        <p:spPr>
+          <a:xfrm>
+            <a:off x="10520448" y="4254414"/>
+            <a:ext cx="540000" cy="0"/>
+          </a:xfrm>
+          <a:prstGeom prst="straightConnector1">
+            <a:avLst/>
+          </a:prstGeom>
+          <a:ln w="19050">
+            <a:tailEnd type="triangle"/>
+          </a:ln>
+        </p:spPr>
+        <p:style>
+          <a:lnRef idx="1">
+            <a:schemeClr val="dk1"/>
+          </a:lnRef>
+          <a:fillRef idx="0">
+            <a:schemeClr val="dk1"/>
+          </a:fillRef>
+          <a:effectRef idx="0">
+            <a:schemeClr val="dk1"/>
+          </a:effectRef>
+          <a:fontRef idx="minor">
+            <a:schemeClr val="tx1"/>
+          </a:fontRef>
+        </p:style>
+      </p:cxnSp>
+      <p:cxnSp>
+        <p:nvCxnSpPr>
+          <p:cNvPr id="56" name="직선 화살표 연결선 55">
+            <a:extLst>
+              <a:ext uri="{FF2B5EF4-FFF2-40B4-BE49-F238E27FC236}">
+                <a16:creationId xmlns:a16="http://schemas.microsoft.com/office/drawing/2014/main" id="{EF2AD3EF-032E-E55C-651C-96EC87F88FB3}"/>
+              </a:ext>
+            </a:extLst>
+          </p:cNvPr>
+          <p:cNvCxnSpPr>
+            <a:cxnSpLocks/>
+            <a:endCxn id="21" idx="2"/>
+          </p:cNvCxnSpPr>
+          <p:nvPr/>
+        </p:nvCxnSpPr>
+        <p:spPr>
+          <a:xfrm>
+            <a:off x="11058082" y="3180082"/>
+            <a:ext cx="542322" cy="0"/>
+          </a:xfrm>
+          <a:prstGeom prst="straightConnector1">
+            <a:avLst/>
+          </a:prstGeom>
+          <a:ln w="19050">
+            <a:tailEnd type="triangle"/>
+          </a:ln>
+        </p:spPr>
+        <p:style>
+          <a:lnRef idx="1">
+            <a:schemeClr val="dk1"/>
+          </a:lnRef>
+          <a:fillRef idx="0">
+            <a:schemeClr val="dk1"/>
+          </a:fillRef>
+          <a:effectRef idx="0">
+            <a:schemeClr val="dk1"/>
+          </a:effectRef>
+          <a:fontRef idx="minor">
+            <a:schemeClr val="tx1"/>
+          </a:fontRef>
+        </p:style>
+      </p:cxnSp>
     </p:spTree>
     <p:extLst>
       <p:ext uri="{BB962C8B-B14F-4D97-AF65-F5344CB8AC3E}">

--- a/4-1/소프트웨어 종합설계/9주차/졸업작품 Activity Diagram.pptx
+++ b/4-1/소프트웨어 종합설계/9주차/졸업작품 Activity Diagram.pptx
@@ -293,7 +293,7 @@
           <a:p>
             <a:fld id="{CA0C9A70-06BB-774B-8A5A-F2019B565F3F}" type="datetimeFigureOut">
               <a:rPr kumimoji="1" lang="ko-Kore-KR" altLang="en-US" smtClean="0"/>
-              <a:t>2022. 4. 28.</a:t>
+              <a:t>2022. 4. 29.</a:t>
             </a:fld>
             <a:endParaRPr kumimoji="1" lang="ko-Kore-KR" altLang="en-US"/>
           </a:p>
@@ -493,7 +493,7 @@
           <a:p>
             <a:fld id="{CA0C9A70-06BB-774B-8A5A-F2019B565F3F}" type="datetimeFigureOut">
               <a:rPr kumimoji="1" lang="ko-Kore-KR" altLang="en-US" smtClean="0"/>
-              <a:t>2022. 4. 28.</a:t>
+              <a:t>2022. 4. 29.</a:t>
             </a:fld>
             <a:endParaRPr kumimoji="1" lang="ko-Kore-KR" altLang="en-US"/>
           </a:p>
@@ -703,7 +703,7 @@
           <a:p>
             <a:fld id="{CA0C9A70-06BB-774B-8A5A-F2019B565F3F}" type="datetimeFigureOut">
               <a:rPr kumimoji="1" lang="ko-Kore-KR" altLang="en-US" smtClean="0"/>
-              <a:t>2022. 4. 28.</a:t>
+              <a:t>2022. 4. 29.</a:t>
             </a:fld>
             <a:endParaRPr kumimoji="1" lang="ko-Kore-KR" altLang="en-US"/>
           </a:p>
@@ -903,7 +903,7 @@
           <a:p>
             <a:fld id="{CA0C9A70-06BB-774B-8A5A-F2019B565F3F}" type="datetimeFigureOut">
               <a:rPr kumimoji="1" lang="ko-Kore-KR" altLang="en-US" smtClean="0"/>
-              <a:t>2022. 4. 28.</a:t>
+              <a:t>2022. 4. 29.</a:t>
             </a:fld>
             <a:endParaRPr kumimoji="1" lang="ko-Kore-KR" altLang="en-US"/>
           </a:p>
@@ -1179,7 +1179,7 @@
           <a:p>
             <a:fld id="{CA0C9A70-06BB-774B-8A5A-F2019B565F3F}" type="datetimeFigureOut">
               <a:rPr kumimoji="1" lang="ko-Kore-KR" altLang="en-US" smtClean="0"/>
-              <a:t>2022. 4. 28.</a:t>
+              <a:t>2022. 4. 29.</a:t>
             </a:fld>
             <a:endParaRPr kumimoji="1" lang="ko-Kore-KR" altLang="en-US"/>
           </a:p>
@@ -1447,7 +1447,7 @@
           <a:p>
             <a:fld id="{CA0C9A70-06BB-774B-8A5A-F2019B565F3F}" type="datetimeFigureOut">
               <a:rPr kumimoji="1" lang="ko-Kore-KR" altLang="en-US" smtClean="0"/>
-              <a:t>2022. 4. 28.</a:t>
+              <a:t>2022. 4. 29.</a:t>
             </a:fld>
             <a:endParaRPr kumimoji="1" lang="ko-Kore-KR" altLang="en-US"/>
           </a:p>
@@ -1862,7 +1862,7 @@
           <a:p>
             <a:fld id="{CA0C9A70-06BB-774B-8A5A-F2019B565F3F}" type="datetimeFigureOut">
               <a:rPr kumimoji="1" lang="ko-Kore-KR" altLang="en-US" smtClean="0"/>
-              <a:t>2022. 4. 28.</a:t>
+              <a:t>2022. 4. 29.</a:t>
             </a:fld>
             <a:endParaRPr kumimoji="1" lang="ko-Kore-KR" altLang="en-US"/>
           </a:p>
@@ -2004,7 +2004,7 @@
           <a:p>
             <a:fld id="{CA0C9A70-06BB-774B-8A5A-F2019B565F3F}" type="datetimeFigureOut">
               <a:rPr kumimoji="1" lang="ko-Kore-KR" altLang="en-US" smtClean="0"/>
-              <a:t>2022. 4. 28.</a:t>
+              <a:t>2022. 4. 29.</a:t>
             </a:fld>
             <a:endParaRPr kumimoji="1" lang="ko-Kore-KR" altLang="en-US"/>
           </a:p>
@@ -2117,7 +2117,7 @@
           <a:p>
             <a:fld id="{CA0C9A70-06BB-774B-8A5A-F2019B565F3F}" type="datetimeFigureOut">
               <a:rPr kumimoji="1" lang="ko-Kore-KR" altLang="en-US" smtClean="0"/>
-              <a:t>2022. 4. 28.</a:t>
+              <a:t>2022. 4. 29.</a:t>
             </a:fld>
             <a:endParaRPr kumimoji="1" lang="ko-Kore-KR" altLang="en-US"/>
           </a:p>
@@ -2430,7 +2430,7 @@
           <a:p>
             <a:fld id="{CA0C9A70-06BB-774B-8A5A-F2019B565F3F}" type="datetimeFigureOut">
               <a:rPr kumimoji="1" lang="ko-Kore-KR" altLang="en-US" smtClean="0"/>
-              <a:t>2022. 4. 28.</a:t>
+              <a:t>2022. 4. 29.</a:t>
             </a:fld>
             <a:endParaRPr kumimoji="1" lang="ko-Kore-KR" altLang="en-US"/>
           </a:p>
@@ -2719,7 +2719,7 @@
           <a:p>
             <a:fld id="{CA0C9A70-06BB-774B-8A5A-F2019B565F3F}" type="datetimeFigureOut">
               <a:rPr kumimoji="1" lang="ko-Kore-KR" altLang="en-US" smtClean="0"/>
-              <a:t>2022. 4. 28.</a:t>
+              <a:t>2022. 4. 29.</a:t>
             </a:fld>
             <a:endParaRPr kumimoji="1" lang="ko-Kore-KR" altLang="en-US"/>
           </a:p>
@@ -2962,7 +2962,7 @@
           <a:p>
             <a:fld id="{CA0C9A70-06BB-774B-8A5A-F2019B565F3F}" type="datetimeFigureOut">
               <a:rPr kumimoji="1" lang="ko-Kore-KR" altLang="en-US" smtClean="0"/>
-              <a:t>2022. 4. 28.</a:t>
+              <a:t>2022. 4. 29.</a:t>
             </a:fld>
             <a:endParaRPr kumimoji="1" lang="ko-Kore-KR" altLang="en-US"/>
           </a:p>
